--- a/Decks/azlab-flightdelay-01.pptx
+++ b/Decks/azlab-flightdelay-01.pptx
@@ -10,17 +10,18 @@
     <p:sldId id="269" r:id="rId4"/>
     <p:sldId id="258" r:id="rId5"/>
     <p:sldId id="272" r:id="rId6"/>
-    <p:sldId id="270" r:id="rId7"/>
-    <p:sldId id="271" r:id="rId8"/>
-    <p:sldId id="261" r:id="rId9"/>
-    <p:sldId id="262" r:id="rId10"/>
-    <p:sldId id="263" r:id="rId11"/>
-    <p:sldId id="264" r:id="rId12"/>
-    <p:sldId id="265" r:id="rId13"/>
-    <p:sldId id="257" r:id="rId14"/>
-    <p:sldId id="259" r:id="rId15"/>
-    <p:sldId id="260" r:id="rId16"/>
-    <p:sldId id="266" r:id="rId17"/>
+    <p:sldId id="273" r:id="rId7"/>
+    <p:sldId id="270" r:id="rId8"/>
+    <p:sldId id="271" r:id="rId9"/>
+    <p:sldId id="261" r:id="rId10"/>
+    <p:sldId id="262" r:id="rId11"/>
+    <p:sldId id="263" r:id="rId12"/>
+    <p:sldId id="264" r:id="rId13"/>
+    <p:sldId id="265" r:id="rId14"/>
+    <p:sldId id="257" r:id="rId15"/>
+    <p:sldId id="259" r:id="rId16"/>
+    <p:sldId id="260" r:id="rId17"/>
+    <p:sldId id="266" r:id="rId18"/>
   </p:sldIdLst>
   <p:sldSz cx="12192000" cy="6858000"/>
   <p:notesSz cx="6858000" cy="9144000"/>
@@ -5247,6 +5248,1578 @@
           <p:cNvPr id="2" name="Title 1">
             <a:extLst>
               <a:ext uri="{FF2B5EF4-FFF2-40B4-BE49-F238E27FC236}">
+                <a16:creationId xmlns:a16="http://schemas.microsoft.com/office/drawing/2014/main" id="{7E6864B7-B9ED-45D6-A873-DDB744ACF81E}"/>
+              </a:ext>
+            </a:extLst>
+          </p:cNvPr>
+          <p:cNvSpPr>
+            <a:spLocks noGrp="1"/>
+          </p:cNvSpPr>
+          <p:nvPr>
+            <p:ph type="title"/>
+          </p:nvPr>
+        </p:nvSpPr>
+        <p:spPr/>
+        <p:txBody>
+          <a:bodyPr/>
+          <a:lstStyle/>
+          <a:p>
+            <a:r>
+              <a:rPr lang="en-US" dirty="0"/>
+              <a:t>3. Modeling</a:t>
+            </a:r>
+          </a:p>
+        </p:txBody>
+      </p:sp>
+      <p:sp>
+        <p:nvSpPr>
+          <p:cNvPr id="4" name="Text Placeholder 3">
+            <a:extLst>
+              <a:ext uri="{FF2B5EF4-FFF2-40B4-BE49-F238E27FC236}">
+                <a16:creationId xmlns:a16="http://schemas.microsoft.com/office/drawing/2014/main" id="{8DAF8164-DD11-49AF-BFA6-FF825CF3F344}"/>
+              </a:ext>
+            </a:extLst>
+          </p:cNvPr>
+          <p:cNvSpPr>
+            <a:spLocks noGrp="1"/>
+          </p:cNvSpPr>
+          <p:nvPr>
+            <p:ph type="body" sz="quarter" idx="10"/>
+          </p:nvPr>
+        </p:nvSpPr>
+        <p:spPr/>
+        <p:txBody>
+          <a:bodyPr/>
+          <a:lstStyle/>
+          <a:p>
+            <a:endParaRPr lang="en-US" dirty="0"/>
+          </a:p>
+        </p:txBody>
+      </p:sp>
+      <p:sp>
+        <p:nvSpPr>
+          <p:cNvPr id="5" name="TextBox 4">
+            <a:extLst>
+              <a:ext uri="{FF2B5EF4-FFF2-40B4-BE49-F238E27FC236}">
+                <a16:creationId xmlns:a16="http://schemas.microsoft.com/office/drawing/2014/main" id="{C33D6CFF-D54F-40DD-B902-39F31ECC4978}"/>
+              </a:ext>
+            </a:extLst>
+          </p:cNvPr>
+          <p:cNvSpPr txBox="1"/>
+          <p:nvPr/>
+        </p:nvSpPr>
+        <p:spPr>
+          <a:xfrm>
+            <a:off x="666841" y="2999758"/>
+            <a:ext cx="967418" cy="253916"/>
+          </a:xfrm>
+          <a:prstGeom prst="rect">
+            <a:avLst/>
+          </a:prstGeom>
+          <a:noFill/>
+        </p:spPr>
+        <p:txBody>
+          <a:bodyPr wrap="square" lIns="91440" tIns="45720" rIns="91440" bIns="45720" rtlCol="0">
+            <a:spAutoFit/>
+          </a:bodyPr>
+          <a:lstStyle/>
+          <a:p>
+            <a:pPr marL="0" marR="0" lvl="0" indent="0" algn="ctr" defTabSz="932597" rtl="0" eaLnBrk="1" fontAlgn="auto" latinLnBrk="0" hangingPunct="1">
+              <a:lnSpc>
+                <a:spcPct val="100000"/>
+              </a:lnSpc>
+              <a:spcBef>
+                <a:spcPts val="0"/>
+              </a:spcBef>
+              <a:spcAft>
+                <a:spcPts val="0"/>
+              </a:spcAft>
+              <a:buClrTx/>
+              <a:buSzTx/>
+              <a:buFontTx/>
+              <a:buNone/>
+              <a:tabLst/>
+              <a:defRPr/>
+            </a:pPr>
+            <a:r>
+              <a:rPr kumimoji="0" lang="en-US" sz="1050" b="0" i="0" u="none" strike="noStrike" kern="0" cap="none" spc="0" normalizeH="0" baseline="0" noProof="0" dirty="0">
+                <a:ln>
+                  <a:noFill/>
+                </a:ln>
+                <a:solidFill>
+                  <a:srgbClr val="505050"/>
+                </a:solidFill>
+                <a:effectLst/>
+                <a:uLnTx/>
+                <a:uFillTx/>
+                <a:latin typeface="Segoe UI Semibold" panose="020B0702040204020203" pitchFamily="34" charset="0"/>
+                <a:ea typeface="+mn-ea"/>
+                <a:cs typeface="Segoe UI Semibold" panose="020B0702040204020203" pitchFamily="34" charset="0"/>
+              </a:rPr>
+              <a:t>Web Service</a:t>
+            </a:r>
+          </a:p>
+        </p:txBody>
+      </p:sp>
+      <p:pic>
+        <p:nvPicPr>
+          <p:cNvPr id="6" name="Content Placeholder 11">
+            <a:extLst>
+              <a:ext uri="{FF2B5EF4-FFF2-40B4-BE49-F238E27FC236}">
+                <a16:creationId xmlns:a16="http://schemas.microsoft.com/office/drawing/2014/main" id="{2B63D477-274D-4E99-B43D-EA3D299B5E5C}"/>
+              </a:ext>
+            </a:extLst>
+          </p:cNvPr>
+          <p:cNvPicPr>
+            <a:picLocks noChangeAspect="1"/>
+          </p:cNvPicPr>
+          <p:nvPr/>
+        </p:nvPicPr>
+        <p:blipFill>
+          <a:blip r:embed="rId2">
+            <a:extLst>
+              <a:ext uri="{28A0092B-C50C-407E-A947-70E740481C1C}">
+                <a14:useLocalDpi xmlns:a14="http://schemas.microsoft.com/office/drawing/2010/main" val="0"/>
+              </a:ext>
+            </a:extLst>
+          </a:blip>
+          <a:stretch>
+            <a:fillRect/>
+          </a:stretch>
+        </p:blipFill>
+        <p:spPr>
+          <a:xfrm>
+            <a:off x="760405" y="2125839"/>
+            <a:ext cx="780290" cy="780290"/>
+          </a:xfrm>
+          <a:prstGeom prst="rect">
+            <a:avLst/>
+          </a:prstGeom>
+        </p:spPr>
+      </p:pic>
+      <p:sp>
+        <p:nvSpPr>
+          <p:cNvPr id="7" name="Rectangle 6">
+            <a:extLst>
+              <a:ext uri="{FF2B5EF4-FFF2-40B4-BE49-F238E27FC236}">
+                <a16:creationId xmlns:a16="http://schemas.microsoft.com/office/drawing/2014/main" id="{46792465-1762-4B87-9201-72E270347F72}"/>
+              </a:ext>
+            </a:extLst>
+          </p:cNvPr>
+          <p:cNvSpPr/>
+          <p:nvPr/>
+        </p:nvSpPr>
+        <p:spPr bwMode="auto">
+          <a:xfrm>
+            <a:off x="2008282" y="1312066"/>
+            <a:ext cx="8175437" cy="4023555"/>
+          </a:xfrm>
+          <a:prstGeom prst="rect">
+            <a:avLst/>
+          </a:prstGeom>
+          <a:noFill/>
+          <a:ln w="12700">
+            <a:solidFill>
+              <a:schemeClr val="tx2"/>
+            </a:solidFill>
+            <a:headEnd type="none" w="med" len="med"/>
+            <a:tailEnd type="none" w="med" len="med"/>
+          </a:ln>
+          <a:effectLst/>
+        </p:spPr>
+        <p:style>
+          <a:lnRef idx="1">
+            <a:schemeClr val="accent2"/>
+          </a:lnRef>
+          <a:fillRef idx="3">
+            <a:schemeClr val="accent2"/>
+          </a:fillRef>
+          <a:effectRef idx="2">
+            <a:schemeClr val="accent2"/>
+          </a:effectRef>
+          <a:fontRef idx="minor">
+            <a:schemeClr val="lt1"/>
+          </a:fontRef>
+        </p:style>
+        <p:txBody>
+          <a:bodyPr rot="0" spcFirstLastPara="0" vertOverflow="overflow" horzOverflow="overflow" vert="horz" wrap="square" lIns="182880" tIns="146304" rIns="182880" bIns="146304" numCol="1" spcCol="0" rtlCol="0" fromWordArt="0" anchor="t" anchorCtr="0" forceAA="0" compatLnSpc="1">
+            <a:prstTxWarp prst="textNoShape">
+              <a:avLst/>
+            </a:prstTxWarp>
+            <a:noAutofit/>
+          </a:bodyPr>
+          <a:lstStyle/>
+          <a:p>
+            <a:pPr marL="0" marR="0" lvl="0" indent="0" algn="ctr" defTabSz="932472" rtl="0" eaLnBrk="1" fontAlgn="base" latinLnBrk="0" hangingPunct="1">
+              <a:lnSpc>
+                <a:spcPct val="90000"/>
+              </a:lnSpc>
+              <a:spcBef>
+                <a:spcPct val="0"/>
+              </a:spcBef>
+              <a:spcAft>
+                <a:spcPct val="0"/>
+              </a:spcAft>
+              <a:buClrTx/>
+              <a:buSzTx/>
+              <a:buFontTx/>
+              <a:buNone/>
+              <a:tabLst/>
+              <a:defRPr/>
+            </a:pPr>
+            <a:endParaRPr kumimoji="0" lang="en-US" sz="2400" b="0" i="0" u="none" strike="noStrike" kern="1200" cap="none" spc="0" normalizeH="0" baseline="0" noProof="0" dirty="0">
+              <a:ln>
+                <a:noFill/>
+              </a:ln>
+              <a:gradFill>
+                <a:gsLst>
+                  <a:gs pos="0">
+                    <a:srgbClr val="FFFFFF"/>
+                  </a:gs>
+                  <a:gs pos="100000">
+                    <a:srgbClr val="FFFFFF"/>
+                  </a:gs>
+                </a:gsLst>
+                <a:lin ang="5400000" scaled="0"/>
+              </a:gradFill>
+              <a:effectLst/>
+              <a:uLnTx/>
+              <a:uFillTx/>
+              <a:latin typeface="Segoe UI"/>
+              <a:ea typeface="Segoe UI" pitchFamily="34" charset="0"/>
+              <a:cs typeface="Segoe UI" pitchFamily="34" charset="0"/>
+            </a:endParaRPr>
+          </a:p>
+        </p:txBody>
+      </p:sp>
+      <p:sp>
+        <p:nvSpPr>
+          <p:cNvPr id="8" name="Rectangle 7">
+            <a:extLst>
+              <a:ext uri="{FF2B5EF4-FFF2-40B4-BE49-F238E27FC236}">
+                <a16:creationId xmlns:a16="http://schemas.microsoft.com/office/drawing/2014/main" id="{F0B49246-92DB-4EB7-8C9A-A38CF27EE598}"/>
+              </a:ext>
+            </a:extLst>
+          </p:cNvPr>
+          <p:cNvSpPr/>
+          <p:nvPr/>
+        </p:nvSpPr>
+        <p:spPr bwMode="auto">
+          <a:xfrm>
+            <a:off x="8430647" y="1514811"/>
+            <a:ext cx="1432897" cy="307777"/>
+          </a:xfrm>
+          <a:prstGeom prst="rect">
+            <a:avLst/>
+          </a:prstGeom>
+          <a:noFill/>
+          <a:ln w="3175">
+            <a:noFill/>
+          </a:ln>
+        </p:spPr>
+        <p:style>
+          <a:lnRef idx="0">
+            <a:scrgbClr r="0" g="0" b="0"/>
+          </a:lnRef>
+          <a:fillRef idx="0">
+            <a:scrgbClr r="0" g="0" b="0"/>
+          </a:fillRef>
+          <a:effectRef idx="0">
+            <a:scrgbClr r="0" g="0" b="0"/>
+          </a:effectRef>
+          <a:fontRef idx="minor">
+            <a:schemeClr val="lt1"/>
+          </a:fontRef>
+        </p:style>
+        <p:txBody>
+          <a:bodyPr spcFirstLastPara="0" vert="horz" wrap="square" lIns="91440" tIns="45720" rIns="91440" bIns="45720" numCol="1" spcCol="1270" anchor="t" anchorCtr="0">
+            <a:spAutoFit/>
+          </a:bodyPr>
+          <a:lstStyle/>
+          <a:p>
+            <a:pPr marL="0" marR="0" lvl="0" indent="0" algn="ctr" defTabSz="710593" rtl="0" eaLnBrk="1" fontAlgn="auto" latinLnBrk="0" hangingPunct="1">
+              <a:lnSpc>
+                <a:spcPct val="100000"/>
+              </a:lnSpc>
+              <a:spcBef>
+                <a:spcPct val="0"/>
+              </a:spcBef>
+              <a:spcAft>
+                <a:spcPct val="35000"/>
+              </a:spcAft>
+              <a:buClrTx/>
+              <a:buSzTx/>
+              <a:buFontTx/>
+              <a:buNone/>
+              <a:tabLst/>
+              <a:defRPr/>
+            </a:pPr>
+            <a:r>
+              <a:rPr kumimoji="0" lang="en-US" sz="1400" b="0" i="0" u="none" strike="noStrike" kern="0" cap="none" spc="0" normalizeH="0" baseline="0" noProof="0" dirty="0">
+                <a:ln>
+                  <a:noFill/>
+                </a:ln>
+                <a:solidFill>
+                  <a:srgbClr val="0078D7"/>
+                </a:solidFill>
+                <a:effectLst/>
+                <a:uLnTx/>
+                <a:uFillTx/>
+                <a:latin typeface="Segoe UI Semibold" panose="020B0702040204020203" pitchFamily="34" charset="0"/>
+                <a:ea typeface="+mn-ea"/>
+                <a:cs typeface="Segoe UI Semibold" panose="020B0702040204020203" pitchFamily="34" charset="0"/>
+              </a:rPr>
+              <a:t>Model &amp; Serve</a:t>
+            </a:r>
+          </a:p>
+        </p:txBody>
+      </p:sp>
+      <p:sp>
+        <p:nvSpPr>
+          <p:cNvPr id="9" name="Rectangle 8">
+            <a:extLst>
+              <a:ext uri="{FF2B5EF4-FFF2-40B4-BE49-F238E27FC236}">
+                <a16:creationId xmlns:a16="http://schemas.microsoft.com/office/drawing/2014/main" id="{C1BB557D-4276-4752-97C2-FE2FF163BA5B}"/>
+              </a:ext>
+            </a:extLst>
+          </p:cNvPr>
+          <p:cNvSpPr/>
+          <p:nvPr/>
+        </p:nvSpPr>
+        <p:spPr bwMode="auto">
+          <a:xfrm>
+            <a:off x="6423624" y="1514811"/>
+            <a:ext cx="1377453" cy="307777"/>
+          </a:xfrm>
+          <a:prstGeom prst="rect">
+            <a:avLst/>
+          </a:prstGeom>
+          <a:noFill/>
+          <a:ln w="3175">
+            <a:noFill/>
+          </a:ln>
+        </p:spPr>
+        <p:style>
+          <a:lnRef idx="0">
+            <a:scrgbClr r="0" g="0" b="0"/>
+          </a:lnRef>
+          <a:fillRef idx="0">
+            <a:scrgbClr r="0" g="0" b="0"/>
+          </a:fillRef>
+          <a:effectRef idx="0">
+            <a:scrgbClr r="0" g="0" b="0"/>
+          </a:effectRef>
+          <a:fontRef idx="minor">
+            <a:schemeClr val="lt1"/>
+          </a:fontRef>
+        </p:style>
+        <p:txBody>
+          <a:bodyPr spcFirstLastPara="0" vert="horz" wrap="square" lIns="91440" tIns="45720" rIns="91440" bIns="45720" numCol="1" spcCol="1270" anchor="t" anchorCtr="0">
+            <a:spAutoFit/>
+          </a:bodyPr>
+          <a:lstStyle/>
+          <a:p>
+            <a:pPr marL="0" marR="0" lvl="0" indent="0" algn="ctr" defTabSz="710593" rtl="0" eaLnBrk="1" fontAlgn="auto" latinLnBrk="0" hangingPunct="1">
+              <a:lnSpc>
+                <a:spcPct val="100000"/>
+              </a:lnSpc>
+              <a:spcBef>
+                <a:spcPct val="0"/>
+              </a:spcBef>
+              <a:spcAft>
+                <a:spcPct val="35000"/>
+              </a:spcAft>
+              <a:buClrTx/>
+              <a:buSzTx/>
+              <a:buFontTx/>
+              <a:buNone/>
+              <a:tabLst/>
+              <a:defRPr/>
+            </a:pPr>
+            <a:r>
+              <a:rPr kumimoji="0" lang="en-US" sz="1400" b="0" i="0" u="none" strike="noStrike" kern="0" cap="none" spc="0" normalizeH="0" baseline="0" noProof="0" dirty="0">
+                <a:ln>
+                  <a:noFill/>
+                </a:ln>
+                <a:solidFill>
+                  <a:srgbClr val="0078D7"/>
+                </a:solidFill>
+                <a:effectLst/>
+                <a:uLnTx/>
+                <a:uFillTx/>
+                <a:latin typeface="Segoe UI Semibold" panose="020B0702040204020203" pitchFamily="34" charset="0"/>
+                <a:ea typeface="+mn-ea"/>
+                <a:cs typeface="Segoe UI Semibold" panose="020B0702040204020203" pitchFamily="34" charset="0"/>
+              </a:rPr>
+              <a:t>Prep &amp; Train</a:t>
+            </a:r>
+          </a:p>
+        </p:txBody>
+      </p:sp>
+      <p:sp>
+        <p:nvSpPr>
+          <p:cNvPr id="10" name="Rectangle 9">
+            <a:extLst>
+              <a:ext uri="{FF2B5EF4-FFF2-40B4-BE49-F238E27FC236}">
+                <a16:creationId xmlns:a16="http://schemas.microsoft.com/office/drawing/2014/main" id="{A8DC2AB6-EB08-4D00-8555-D51953A93FC6}"/>
+              </a:ext>
+            </a:extLst>
+          </p:cNvPr>
+          <p:cNvSpPr/>
+          <p:nvPr/>
+        </p:nvSpPr>
+        <p:spPr bwMode="auto">
+          <a:xfrm>
+            <a:off x="4379443" y="1514811"/>
+            <a:ext cx="1392554" cy="307777"/>
+          </a:xfrm>
+          <a:prstGeom prst="rect">
+            <a:avLst/>
+          </a:prstGeom>
+          <a:noFill/>
+          <a:ln w="3175">
+            <a:noFill/>
+          </a:ln>
+        </p:spPr>
+        <p:style>
+          <a:lnRef idx="0">
+            <a:scrgbClr r="0" g="0" b="0"/>
+          </a:lnRef>
+          <a:fillRef idx="0">
+            <a:scrgbClr r="0" g="0" b="0"/>
+          </a:fillRef>
+          <a:effectRef idx="0">
+            <a:scrgbClr r="0" g="0" b="0"/>
+          </a:effectRef>
+          <a:fontRef idx="minor">
+            <a:schemeClr val="lt1"/>
+          </a:fontRef>
+        </p:style>
+        <p:txBody>
+          <a:bodyPr spcFirstLastPara="0" vert="horz" wrap="square" lIns="91440" tIns="45720" rIns="91440" bIns="45720" numCol="1" spcCol="1270" anchor="t" anchorCtr="0">
+            <a:spAutoFit/>
+          </a:bodyPr>
+          <a:lstStyle/>
+          <a:p>
+            <a:pPr marL="0" marR="0" lvl="0" indent="0" algn="ctr" defTabSz="522599" rtl="0" eaLnBrk="1" fontAlgn="auto" latinLnBrk="0" hangingPunct="1">
+              <a:lnSpc>
+                <a:spcPct val="100000"/>
+              </a:lnSpc>
+              <a:spcBef>
+                <a:spcPct val="0"/>
+              </a:spcBef>
+              <a:spcAft>
+                <a:spcPct val="35000"/>
+              </a:spcAft>
+              <a:buClrTx/>
+              <a:buSzTx/>
+              <a:buFontTx/>
+              <a:buNone/>
+              <a:tabLst/>
+              <a:defRPr/>
+            </a:pPr>
+            <a:r>
+              <a:rPr kumimoji="0" lang="en-US" sz="1400" b="0" i="0" u="none" strike="noStrike" kern="0" cap="none" spc="0" normalizeH="0" baseline="0" noProof="0" dirty="0">
+                <a:ln>
+                  <a:noFill/>
+                </a:ln>
+                <a:solidFill>
+                  <a:srgbClr val="0078D7"/>
+                </a:solidFill>
+                <a:effectLst/>
+                <a:uLnTx/>
+                <a:uFillTx/>
+                <a:latin typeface="Segoe UI Semibold" panose="020B0702040204020203" pitchFamily="34" charset="0"/>
+                <a:ea typeface="+mn-ea"/>
+                <a:cs typeface="Segoe UI Semibold" panose="020B0702040204020203" pitchFamily="34" charset="0"/>
+              </a:rPr>
+              <a:t>Store</a:t>
+            </a:r>
+          </a:p>
+        </p:txBody>
+      </p:sp>
+      <p:sp>
+        <p:nvSpPr>
+          <p:cNvPr id="11" name="Rectangle 10">
+            <a:extLst>
+              <a:ext uri="{FF2B5EF4-FFF2-40B4-BE49-F238E27FC236}">
+                <a16:creationId xmlns:a16="http://schemas.microsoft.com/office/drawing/2014/main" id="{9CA54808-E889-4A7F-8608-35D51D92A2C2}"/>
+              </a:ext>
+            </a:extLst>
+          </p:cNvPr>
+          <p:cNvSpPr/>
+          <p:nvPr/>
+        </p:nvSpPr>
+        <p:spPr bwMode="auto">
+          <a:xfrm>
+            <a:off x="2423926" y="1514811"/>
+            <a:ext cx="1384695" cy="307777"/>
+          </a:xfrm>
+          <a:prstGeom prst="rect">
+            <a:avLst/>
+          </a:prstGeom>
+          <a:noFill/>
+          <a:ln w="3175">
+            <a:noFill/>
+          </a:ln>
+        </p:spPr>
+        <p:style>
+          <a:lnRef idx="0">
+            <a:scrgbClr r="0" g="0" b="0"/>
+          </a:lnRef>
+          <a:fillRef idx="0">
+            <a:scrgbClr r="0" g="0" b="0"/>
+          </a:fillRef>
+          <a:effectRef idx="0">
+            <a:scrgbClr r="0" g="0" b="0"/>
+          </a:effectRef>
+          <a:fontRef idx="minor">
+            <a:schemeClr val="lt1"/>
+          </a:fontRef>
+        </p:style>
+        <p:txBody>
+          <a:bodyPr spcFirstLastPara="0" vert="horz" wrap="square" lIns="91440" tIns="45720" rIns="91440" bIns="45720" numCol="1" spcCol="1270" anchor="t" anchorCtr="0">
+            <a:spAutoFit/>
+          </a:bodyPr>
+          <a:lstStyle/>
+          <a:p>
+            <a:pPr marL="0" marR="0" lvl="0" indent="0" algn="ctr" defTabSz="710593" rtl="0" eaLnBrk="1" fontAlgn="auto" latinLnBrk="0" hangingPunct="1">
+              <a:lnSpc>
+                <a:spcPct val="100000"/>
+              </a:lnSpc>
+              <a:spcBef>
+                <a:spcPct val="0"/>
+              </a:spcBef>
+              <a:spcAft>
+                <a:spcPct val="35000"/>
+              </a:spcAft>
+              <a:buClrTx/>
+              <a:buSzTx/>
+              <a:buFontTx/>
+              <a:buNone/>
+              <a:tabLst/>
+              <a:defRPr/>
+            </a:pPr>
+            <a:r>
+              <a:rPr kumimoji="0" lang="en-US" sz="1400" b="0" i="0" u="none" strike="noStrike" kern="0" cap="none" spc="0" normalizeH="0" baseline="0" noProof="0" dirty="0">
+                <a:ln>
+                  <a:noFill/>
+                </a:ln>
+                <a:solidFill>
+                  <a:srgbClr val="0078D7"/>
+                </a:solidFill>
+                <a:effectLst/>
+                <a:uLnTx/>
+                <a:uFillTx/>
+                <a:latin typeface="Segoe UI Semibold" panose="020B0702040204020203" pitchFamily="34" charset="0"/>
+                <a:ea typeface="+mn-ea"/>
+                <a:cs typeface="Segoe UI Semibold" panose="020B0702040204020203" pitchFamily="34" charset="0"/>
+              </a:rPr>
+              <a:t>Ingest</a:t>
+            </a:r>
+          </a:p>
+        </p:txBody>
+      </p:sp>
+      <p:sp>
+        <p:nvSpPr>
+          <p:cNvPr id="15" name="Rectangle 14">
+            <a:extLst>
+              <a:ext uri="{FF2B5EF4-FFF2-40B4-BE49-F238E27FC236}">
+                <a16:creationId xmlns:a16="http://schemas.microsoft.com/office/drawing/2014/main" id="{858D9D60-144C-4456-9446-3C3FDF65E793}"/>
+              </a:ext>
+            </a:extLst>
+          </p:cNvPr>
+          <p:cNvSpPr/>
+          <p:nvPr/>
+        </p:nvSpPr>
+        <p:spPr>
+          <a:xfrm>
+            <a:off x="8520015" y="2977512"/>
+            <a:ext cx="1163884" cy="253916"/>
+          </a:xfrm>
+          <a:prstGeom prst="rect">
+            <a:avLst/>
+          </a:prstGeom>
+        </p:spPr>
+        <p:txBody>
+          <a:bodyPr wrap="square">
+            <a:spAutoFit/>
+          </a:bodyPr>
+          <a:lstStyle/>
+          <a:p>
+            <a:pPr marL="0" marR="0" lvl="0" indent="0" algn="ctr" defTabSz="932597" rtl="0" eaLnBrk="1" fontAlgn="auto" latinLnBrk="0" hangingPunct="1">
+              <a:lnSpc>
+                <a:spcPct val="100000"/>
+              </a:lnSpc>
+              <a:spcBef>
+                <a:spcPts val="0"/>
+              </a:spcBef>
+              <a:spcAft>
+                <a:spcPts val="0"/>
+              </a:spcAft>
+              <a:buClrTx/>
+              <a:buSzTx/>
+              <a:buFontTx/>
+              <a:buNone/>
+              <a:tabLst/>
+              <a:defRPr/>
+            </a:pPr>
+            <a:r>
+              <a:rPr kumimoji="0" lang="en-US" sz="1050" b="0" i="0" u="none" strike="noStrike" kern="0" cap="none" spc="0" normalizeH="0" baseline="0" noProof="0" dirty="0">
+                <a:ln>
+                  <a:noFill/>
+                </a:ln>
+                <a:solidFill>
+                  <a:srgbClr val="505050"/>
+                </a:solidFill>
+                <a:effectLst/>
+                <a:uLnTx/>
+                <a:uFillTx/>
+                <a:latin typeface="Segoe UI Semibold" panose="020B0702040204020203" pitchFamily="34" charset="0"/>
+                <a:ea typeface="+mn-ea"/>
+                <a:cs typeface="Segoe UI Semibold" panose="020B0702040204020203" pitchFamily="34" charset="0"/>
+              </a:rPr>
+              <a:t>SQL Database</a:t>
+            </a:r>
+          </a:p>
+        </p:txBody>
+      </p:sp>
+      <p:grpSp>
+        <p:nvGrpSpPr>
+          <p:cNvPr id="16" name="Group 15">
+            <a:extLst>
+              <a:ext uri="{FF2B5EF4-FFF2-40B4-BE49-F238E27FC236}">
+                <a16:creationId xmlns:a16="http://schemas.microsoft.com/office/drawing/2014/main" id="{366E14E9-BEDF-4BFC-8024-D62B4B16CFD9}"/>
+              </a:ext>
+            </a:extLst>
+          </p:cNvPr>
+          <p:cNvGrpSpPr/>
+          <p:nvPr/>
+        </p:nvGrpSpPr>
+        <p:grpSpPr>
+          <a:xfrm>
+            <a:off x="4651477" y="2235826"/>
+            <a:ext cx="860592" cy="995602"/>
+            <a:chOff x="4064302" y="3325697"/>
+            <a:chExt cx="860592" cy="995602"/>
+          </a:xfrm>
+        </p:grpSpPr>
+        <p:sp>
+          <p:nvSpPr>
+            <p:cNvPr id="17" name="Rectangle 16">
+              <a:extLst>
+                <a:ext uri="{FF2B5EF4-FFF2-40B4-BE49-F238E27FC236}">
+                  <a16:creationId xmlns:a16="http://schemas.microsoft.com/office/drawing/2014/main" id="{874C20A5-30DB-42DC-A235-BAD3420A2B46}"/>
+                </a:ext>
+              </a:extLst>
+            </p:cNvPr>
+            <p:cNvSpPr/>
+            <p:nvPr/>
+          </p:nvSpPr>
+          <p:spPr>
+            <a:xfrm>
+              <a:off x="4064302" y="4067383"/>
+              <a:ext cx="860592" cy="253916"/>
+            </a:xfrm>
+            <a:prstGeom prst="rect">
+              <a:avLst/>
+            </a:prstGeom>
+          </p:spPr>
+          <p:txBody>
+            <a:bodyPr wrap="square">
+              <a:spAutoFit/>
+            </a:bodyPr>
+            <a:lstStyle/>
+            <a:p>
+              <a:pPr marL="0" marR="0" lvl="0" indent="0" algn="ctr" defTabSz="914400" rtl="0" eaLnBrk="1" fontAlgn="auto" latinLnBrk="0" hangingPunct="1">
+                <a:lnSpc>
+                  <a:spcPct val="100000"/>
+                </a:lnSpc>
+                <a:spcBef>
+                  <a:spcPts val="0"/>
+                </a:spcBef>
+                <a:spcAft>
+                  <a:spcPts val="0"/>
+                </a:spcAft>
+                <a:buClrTx/>
+                <a:buSzTx/>
+                <a:buFontTx/>
+                <a:buNone/>
+                <a:tabLst/>
+                <a:defRPr/>
+              </a:pPr>
+              <a:r>
+                <a:rPr kumimoji="0" lang="en-US" sz="1050" b="0" i="0" u="none" strike="noStrike" kern="0" cap="none" spc="0" normalizeH="0" baseline="0" noProof="0" dirty="0">
+                  <a:ln>
+                    <a:noFill/>
+                  </a:ln>
+                  <a:solidFill>
+                    <a:srgbClr val="505050"/>
+                  </a:solidFill>
+                  <a:effectLst/>
+                  <a:uLnTx/>
+                  <a:uFillTx/>
+                  <a:latin typeface="Segoe UI Semibold" panose="020B0702040204020203" pitchFamily="34" charset="0"/>
+                  <a:ea typeface="+mn-ea"/>
+                  <a:cs typeface="Segoe UI Semibold" panose="020B0702040204020203" pitchFamily="34" charset="0"/>
+                </a:rPr>
+                <a:t>Blobs</a:t>
+              </a:r>
+            </a:p>
+          </p:txBody>
+        </p:sp>
+        <p:pic>
+          <p:nvPicPr>
+            <p:cNvPr id="18" name="Picture 17" descr="A stop sign&#10;&#10;Description generated with high confidence">
+              <a:extLst>
+                <a:ext uri="{FF2B5EF4-FFF2-40B4-BE49-F238E27FC236}">
+                  <a16:creationId xmlns:a16="http://schemas.microsoft.com/office/drawing/2014/main" id="{357B4DC0-C9AA-48E6-BF93-6D65455D1802}"/>
+                </a:ext>
+              </a:extLst>
+            </p:cNvPr>
+            <p:cNvPicPr>
+              <a:picLocks noChangeAspect="1"/>
+            </p:cNvPicPr>
+            <p:nvPr/>
+          </p:nvPicPr>
+          <p:blipFill>
+            <a:blip r:embed="rId3">
+              <a:extLst>
+                <a:ext uri="{28A0092B-C50C-407E-A947-70E740481C1C}">
+                  <a14:useLocalDpi xmlns:a14="http://schemas.microsoft.com/office/drawing/2010/main" val="0"/>
+                </a:ext>
+              </a:extLst>
+            </a:blip>
+            <a:stretch>
+              <a:fillRect/>
+            </a:stretch>
+          </p:blipFill>
+          <p:spPr>
+            <a:xfrm>
+              <a:off x="4104453" y="3325697"/>
+              <a:ext cx="780290" cy="780290"/>
+            </a:xfrm>
+            <a:prstGeom prst="rect">
+              <a:avLst/>
+            </a:prstGeom>
+          </p:spPr>
+        </p:pic>
+      </p:grpSp>
+      <p:grpSp>
+        <p:nvGrpSpPr>
+          <p:cNvPr id="19" name="Group 18">
+            <a:extLst>
+              <a:ext uri="{FF2B5EF4-FFF2-40B4-BE49-F238E27FC236}">
+                <a16:creationId xmlns:a16="http://schemas.microsoft.com/office/drawing/2014/main" id="{2686A21B-2458-4CF7-90DB-9156A364F448}"/>
+              </a:ext>
+            </a:extLst>
+          </p:cNvPr>
+          <p:cNvGrpSpPr/>
+          <p:nvPr/>
+        </p:nvGrpSpPr>
+        <p:grpSpPr>
+          <a:xfrm>
+            <a:off x="2881144" y="5527901"/>
+            <a:ext cx="860592" cy="1034206"/>
+            <a:chOff x="2293969" y="5512832"/>
+            <a:chExt cx="860592" cy="1034206"/>
+          </a:xfrm>
+        </p:grpSpPr>
+        <p:pic>
+          <p:nvPicPr>
+            <p:cNvPr id="20" name="Picture 19">
+              <a:extLst>
+                <a:ext uri="{FF2B5EF4-FFF2-40B4-BE49-F238E27FC236}">
+                  <a16:creationId xmlns:a16="http://schemas.microsoft.com/office/drawing/2014/main" id="{7794AFEA-D67D-4AD8-AFD3-6BA753F0AD63}"/>
+                </a:ext>
+              </a:extLst>
+            </p:cNvPr>
+            <p:cNvPicPr>
+              <a:picLocks noChangeAspect="1"/>
+            </p:cNvPicPr>
+            <p:nvPr/>
+          </p:nvPicPr>
+          <p:blipFill>
+            <a:blip r:embed="rId4">
+              <a:extLst>
+                <a:ext uri="{28A0092B-C50C-407E-A947-70E740481C1C}">
+                  <a14:useLocalDpi xmlns:a14="http://schemas.microsoft.com/office/drawing/2010/main" val="0"/>
+                </a:ext>
+              </a:extLst>
+            </a:blip>
+            <a:stretch>
+              <a:fillRect/>
+            </a:stretch>
+          </p:blipFill>
+          <p:spPr>
+            <a:xfrm>
+              <a:off x="2325896" y="5512832"/>
+              <a:ext cx="780290" cy="780290"/>
+            </a:xfrm>
+            <a:prstGeom prst="rect">
+              <a:avLst/>
+            </a:prstGeom>
+          </p:spPr>
+        </p:pic>
+        <p:sp>
+          <p:nvSpPr>
+            <p:cNvPr id="21" name="Rectangle 20">
+              <a:extLst>
+                <a:ext uri="{FF2B5EF4-FFF2-40B4-BE49-F238E27FC236}">
+                  <a16:creationId xmlns:a16="http://schemas.microsoft.com/office/drawing/2014/main" id="{A7D53CA1-4EDA-4D65-AECD-500CBDA30607}"/>
+                </a:ext>
+              </a:extLst>
+            </p:cNvPr>
+            <p:cNvSpPr/>
+            <p:nvPr/>
+          </p:nvSpPr>
+          <p:spPr>
+            <a:xfrm>
+              <a:off x="2293969" y="6293122"/>
+              <a:ext cx="860592" cy="253916"/>
+            </a:xfrm>
+            <a:prstGeom prst="rect">
+              <a:avLst/>
+            </a:prstGeom>
+          </p:spPr>
+          <p:txBody>
+            <a:bodyPr wrap="square">
+              <a:spAutoFit/>
+            </a:bodyPr>
+            <a:lstStyle/>
+            <a:p>
+              <a:pPr marL="0" marR="0" lvl="0" indent="0" algn="ctr" defTabSz="914400" rtl="0" eaLnBrk="1" fontAlgn="auto" latinLnBrk="0" hangingPunct="1">
+                <a:lnSpc>
+                  <a:spcPct val="100000"/>
+                </a:lnSpc>
+                <a:spcBef>
+                  <a:spcPts val="0"/>
+                </a:spcBef>
+                <a:spcAft>
+                  <a:spcPts val="0"/>
+                </a:spcAft>
+                <a:buClrTx/>
+                <a:buSzTx/>
+                <a:buFontTx/>
+                <a:buNone/>
+                <a:tabLst/>
+                <a:defRPr/>
+              </a:pPr>
+              <a:r>
+                <a:rPr kumimoji="0" lang="en-US" sz="1050" b="0" i="0" u="none" strike="noStrike" kern="0" cap="none" spc="0" normalizeH="0" baseline="0" noProof="0" dirty="0">
+                  <a:ln>
+                    <a:noFill/>
+                  </a:ln>
+                  <a:solidFill>
+                    <a:srgbClr val="505050"/>
+                  </a:solidFill>
+                  <a:effectLst/>
+                  <a:uLnTx/>
+                  <a:uFillTx/>
+                  <a:latin typeface="Segoe UI Semibold" panose="020B0702040204020203" pitchFamily="34" charset="0"/>
+                  <a:ea typeface="+mn-ea"/>
+                  <a:cs typeface="Segoe UI Semibold" panose="020B0702040204020203" pitchFamily="34" charset="0"/>
+                </a:rPr>
+                <a:t>AKV</a:t>
+              </a:r>
+            </a:p>
+          </p:txBody>
+        </p:sp>
+      </p:grpSp>
+      <p:grpSp>
+        <p:nvGrpSpPr>
+          <p:cNvPr id="25" name="Group 24">
+            <a:extLst>
+              <a:ext uri="{FF2B5EF4-FFF2-40B4-BE49-F238E27FC236}">
+                <a16:creationId xmlns:a16="http://schemas.microsoft.com/office/drawing/2014/main" id="{16AB1A9D-3CD3-41C9-B5E0-4609AEC7E04A}"/>
+              </a:ext>
+            </a:extLst>
+          </p:cNvPr>
+          <p:cNvGrpSpPr/>
+          <p:nvPr/>
+        </p:nvGrpSpPr>
+        <p:grpSpPr>
+          <a:xfrm>
+            <a:off x="6369801" y="2025333"/>
+            <a:ext cx="1381617" cy="1249963"/>
+            <a:chOff x="5557683" y="3115204"/>
+            <a:chExt cx="1381617" cy="1249963"/>
+          </a:xfrm>
+        </p:grpSpPr>
+        <p:sp>
+          <p:nvSpPr>
+            <p:cNvPr id="26" name="Rectangle 25">
+              <a:extLst>
+                <a:ext uri="{FF2B5EF4-FFF2-40B4-BE49-F238E27FC236}">
+                  <a16:creationId xmlns:a16="http://schemas.microsoft.com/office/drawing/2014/main" id="{7EB5751C-EF73-42F9-B233-CF7A1FFE400A}"/>
+                </a:ext>
+              </a:extLst>
+            </p:cNvPr>
+            <p:cNvSpPr/>
+            <p:nvPr/>
+          </p:nvSpPr>
+          <p:spPr>
+            <a:xfrm>
+              <a:off x="5557683" y="4111251"/>
+              <a:ext cx="1381617" cy="253916"/>
+            </a:xfrm>
+            <a:prstGeom prst="rect">
+              <a:avLst/>
+            </a:prstGeom>
+          </p:spPr>
+          <p:txBody>
+            <a:bodyPr wrap="square">
+              <a:spAutoFit/>
+            </a:bodyPr>
+            <a:lstStyle/>
+            <a:p>
+              <a:pPr marL="0" marR="0" lvl="0" indent="0" algn="ctr" defTabSz="914192" rtl="0" eaLnBrk="1" fontAlgn="auto" latinLnBrk="0" hangingPunct="1">
+                <a:lnSpc>
+                  <a:spcPct val="100000"/>
+                </a:lnSpc>
+                <a:spcBef>
+                  <a:spcPts val="0"/>
+                </a:spcBef>
+                <a:spcAft>
+                  <a:spcPts val="0"/>
+                </a:spcAft>
+                <a:buClrTx/>
+                <a:buSzTx/>
+                <a:buFontTx/>
+                <a:buNone/>
+                <a:tabLst/>
+                <a:defRPr/>
+              </a:pPr>
+              <a:r>
+                <a:rPr lang="en-US" sz="1050" kern="0" dirty="0">
+                  <a:solidFill>
+                    <a:srgbClr val="505050"/>
+                  </a:solidFill>
+                  <a:latin typeface="Segoe UI Semibold" panose="020B0702040204020203" pitchFamily="34" charset="0"/>
+                  <a:ea typeface="MS PGothic" panose="020B0600070205080204" pitchFamily="34" charset="-128"/>
+                  <a:cs typeface="Segoe UI Semibold" panose="020B0702040204020203" pitchFamily="34" charset="0"/>
+                </a:rPr>
+                <a:t>Databricks</a:t>
+              </a:r>
+            </a:p>
+          </p:txBody>
+        </p:sp>
+        <p:pic>
+          <p:nvPicPr>
+            <p:cNvPr id="27" name="Picture 4" descr="Image result for databricks">
+              <a:extLst>
+                <a:ext uri="{FF2B5EF4-FFF2-40B4-BE49-F238E27FC236}">
+                  <a16:creationId xmlns:a16="http://schemas.microsoft.com/office/drawing/2014/main" id="{09D382D4-8A78-40B4-B27F-DA884C718462}"/>
+                </a:ext>
+              </a:extLst>
+            </p:cNvPr>
+            <p:cNvPicPr>
+              <a:picLocks noChangeAspect="1" noChangeArrowheads="1"/>
+            </p:cNvPicPr>
+            <p:nvPr/>
+          </p:nvPicPr>
+          <p:blipFill>
+            <a:blip r:embed="rId5">
+              <a:clrChange>
+                <a:clrFrom>
+                  <a:srgbClr val="FFFFFF"/>
+                </a:clrFrom>
+                <a:clrTo>
+                  <a:srgbClr val="FFFFFF">
+                    <a:alpha val="0"/>
+                  </a:srgbClr>
+                </a:clrTo>
+              </a:clrChange>
+              <a:extLst>
+                <a:ext uri="{28A0092B-C50C-407E-A947-70E740481C1C}">
+                  <a14:useLocalDpi xmlns:a14="http://schemas.microsoft.com/office/drawing/2010/main" val="0"/>
+                </a:ext>
+              </a:extLst>
+            </a:blip>
+            <a:srcRect/>
+            <a:stretch>
+              <a:fillRect/>
+            </a:stretch>
+          </p:blipFill>
+          <p:spPr bwMode="auto">
+            <a:xfrm>
+              <a:off x="5657057" y="3115204"/>
+              <a:ext cx="1182868" cy="1182868"/>
+            </a:xfrm>
+            <a:prstGeom prst="rect">
+              <a:avLst/>
+            </a:prstGeom>
+            <a:noFill/>
+            <a:extLst>
+              <a:ext uri="{909E8E84-426E-40DD-AFC4-6F175D3DCCD1}">
+                <a14:hiddenFill xmlns:a14="http://schemas.microsoft.com/office/drawing/2010/main">
+                  <a:solidFill>
+                    <a:srgbClr val="FFFFFF"/>
+                  </a:solidFill>
+                </a14:hiddenFill>
+              </a:ext>
+            </a:extLst>
+          </p:spPr>
+        </p:pic>
+      </p:grpSp>
+      <p:grpSp>
+        <p:nvGrpSpPr>
+          <p:cNvPr id="28" name="Group 27">
+            <a:extLst>
+              <a:ext uri="{FF2B5EF4-FFF2-40B4-BE49-F238E27FC236}">
+                <a16:creationId xmlns:a16="http://schemas.microsoft.com/office/drawing/2014/main" id="{C2BC92A2-8F6C-40DF-80EE-ED3876272D70}"/>
+              </a:ext>
+            </a:extLst>
+          </p:cNvPr>
+          <p:cNvGrpSpPr/>
+          <p:nvPr/>
+        </p:nvGrpSpPr>
+        <p:grpSpPr>
+          <a:xfrm>
+            <a:off x="6108553" y="3920329"/>
+            <a:ext cx="1917467" cy="1052261"/>
+            <a:chOff x="5399147" y="4515474"/>
+            <a:chExt cx="1917467" cy="1052261"/>
+          </a:xfrm>
+        </p:grpSpPr>
+        <p:sp>
+          <p:nvSpPr>
+            <p:cNvPr id="29" name="Rectangle 28">
+              <a:extLst>
+                <a:ext uri="{FF2B5EF4-FFF2-40B4-BE49-F238E27FC236}">
+                  <a16:creationId xmlns:a16="http://schemas.microsoft.com/office/drawing/2014/main" id="{4F0E954B-B052-4463-8A47-6C9414BC501E}"/>
+                </a:ext>
+              </a:extLst>
+            </p:cNvPr>
+            <p:cNvSpPr/>
+            <p:nvPr/>
+          </p:nvSpPr>
+          <p:spPr>
+            <a:xfrm>
+              <a:off x="5399147" y="5313819"/>
+              <a:ext cx="1917467" cy="253916"/>
+            </a:xfrm>
+            <a:prstGeom prst="rect">
+              <a:avLst/>
+            </a:prstGeom>
+          </p:spPr>
+          <p:txBody>
+            <a:bodyPr wrap="square">
+              <a:spAutoFit/>
+            </a:bodyPr>
+            <a:lstStyle/>
+            <a:p>
+              <a:pPr marL="0" marR="0" lvl="0" indent="0" algn="ctr" defTabSz="914192" rtl="0" eaLnBrk="1" fontAlgn="auto" latinLnBrk="0" hangingPunct="1">
+                <a:lnSpc>
+                  <a:spcPct val="100000"/>
+                </a:lnSpc>
+                <a:spcBef>
+                  <a:spcPts val="0"/>
+                </a:spcBef>
+                <a:spcAft>
+                  <a:spcPts val="0"/>
+                </a:spcAft>
+                <a:buClrTx/>
+                <a:buSzTx/>
+                <a:buFontTx/>
+                <a:buNone/>
+                <a:tabLst/>
+                <a:defRPr/>
+              </a:pPr>
+              <a:r>
+                <a:rPr kumimoji="0" lang="en-US" sz="1050" b="0" i="0" u="none" strike="noStrike" kern="0" cap="none" spc="0" normalizeH="0" baseline="0" noProof="0" dirty="0">
+                  <a:ln>
+                    <a:noFill/>
+                  </a:ln>
+                  <a:solidFill>
+                    <a:srgbClr val="505050"/>
+                  </a:solidFill>
+                  <a:effectLst/>
+                  <a:uLnTx/>
+                  <a:uFillTx/>
+                  <a:latin typeface="Segoe UI Semibold" panose="020B0702040204020203" pitchFamily="34" charset="0"/>
+                  <a:ea typeface="MS PGothic" panose="020B0600070205080204" pitchFamily="34" charset="-128"/>
+                  <a:cs typeface="Segoe UI Semibold" panose="020B0702040204020203" pitchFamily="34" charset="0"/>
+                </a:rPr>
+                <a:t>Machine Learning </a:t>
+              </a:r>
+              <a:r>
+                <a:rPr lang="en-US" sz="1050" kern="0" dirty="0">
+                  <a:solidFill>
+                    <a:srgbClr val="505050"/>
+                  </a:solidFill>
+                  <a:latin typeface="Segoe UI Semibold" panose="020B0702040204020203" pitchFamily="34" charset="0"/>
+                  <a:ea typeface="MS PGothic" panose="020B0600070205080204" pitchFamily="34" charset="-128"/>
+                  <a:cs typeface="Segoe UI Semibold" panose="020B0702040204020203" pitchFamily="34" charset="0"/>
+                </a:rPr>
+                <a:t>Studio</a:t>
+              </a:r>
+              <a:endParaRPr kumimoji="0" lang="en-US" sz="1050" b="0" i="0" u="none" strike="noStrike" kern="0" cap="none" spc="0" normalizeH="0" baseline="0" noProof="0" dirty="0">
+                <a:ln>
+                  <a:noFill/>
+                </a:ln>
+                <a:solidFill>
+                  <a:srgbClr val="505050"/>
+                </a:solidFill>
+                <a:effectLst/>
+                <a:uLnTx/>
+                <a:uFillTx/>
+                <a:latin typeface="Segoe UI Semibold" panose="020B0702040204020203" pitchFamily="34" charset="0"/>
+                <a:ea typeface="MS PGothic" panose="020B0600070205080204" pitchFamily="34" charset="-128"/>
+                <a:cs typeface="Segoe UI Semibold" panose="020B0702040204020203" pitchFamily="34" charset="0"/>
+              </a:endParaRPr>
+            </a:p>
+          </p:txBody>
+        </p:sp>
+        <p:pic>
+          <p:nvPicPr>
+            <p:cNvPr id="30" name="Picture 29">
+              <a:extLst>
+                <a:ext uri="{FF2B5EF4-FFF2-40B4-BE49-F238E27FC236}">
+                  <a16:creationId xmlns:a16="http://schemas.microsoft.com/office/drawing/2014/main" id="{6F6EEE75-6D92-42D2-827D-52B5F63FFA7E}"/>
+                </a:ext>
+              </a:extLst>
+            </p:cNvPr>
+            <p:cNvPicPr>
+              <a:picLocks noChangeAspect="1"/>
+            </p:cNvPicPr>
+            <p:nvPr/>
+          </p:nvPicPr>
+          <p:blipFill>
+            <a:blip r:embed="rId6">
+              <a:extLst>
+                <a:ext uri="{28A0092B-C50C-407E-A947-70E740481C1C}">
+                  <a14:useLocalDpi xmlns:a14="http://schemas.microsoft.com/office/drawing/2010/main" val="0"/>
+                </a:ext>
+              </a:extLst>
+            </a:blip>
+            <a:stretch>
+              <a:fillRect/>
+            </a:stretch>
+          </p:blipFill>
+          <p:spPr>
+            <a:xfrm>
+              <a:off x="5967735" y="4515474"/>
+              <a:ext cx="780290" cy="780290"/>
+            </a:xfrm>
+            <a:prstGeom prst="rect">
+              <a:avLst/>
+            </a:prstGeom>
+          </p:spPr>
+        </p:pic>
+      </p:grpSp>
+      <p:pic>
+        <p:nvPicPr>
+          <p:cNvPr id="31" name="Picture 30" descr="A close up of a sign&#10;&#10;Description generated with high confidence">
+            <a:extLst>
+              <a:ext uri="{FF2B5EF4-FFF2-40B4-BE49-F238E27FC236}">
+                <a16:creationId xmlns:a16="http://schemas.microsoft.com/office/drawing/2014/main" id="{744AF51C-4A93-44DB-A84C-CF0174DD34E8}"/>
+              </a:ext>
+            </a:extLst>
+          </p:cNvPr>
+          <p:cNvPicPr>
+            <a:picLocks noChangeAspect="1"/>
+          </p:cNvPicPr>
+          <p:nvPr/>
+        </p:nvPicPr>
+        <p:blipFill>
+          <a:blip r:embed="rId7">
+            <a:extLst>
+              <a:ext uri="{28A0092B-C50C-407E-A947-70E740481C1C}">
+                <a14:useLocalDpi xmlns:a14="http://schemas.microsoft.com/office/drawing/2010/main" val="0"/>
+              </a:ext>
+            </a:extLst>
+          </a:blip>
+          <a:stretch>
+            <a:fillRect/>
+          </a:stretch>
+        </p:blipFill>
+        <p:spPr>
+          <a:xfrm>
+            <a:off x="8711812" y="2183385"/>
+            <a:ext cx="780290" cy="780290"/>
+          </a:xfrm>
+          <a:prstGeom prst="rect">
+            <a:avLst/>
+          </a:prstGeom>
+        </p:spPr>
+      </p:pic>
+      <p:grpSp>
+        <p:nvGrpSpPr>
+          <p:cNvPr id="32" name="Group 31">
+            <a:extLst>
+              <a:ext uri="{FF2B5EF4-FFF2-40B4-BE49-F238E27FC236}">
+                <a16:creationId xmlns:a16="http://schemas.microsoft.com/office/drawing/2014/main" id="{02BC60DF-62EB-4AAC-A1AC-D69E52688F6F}"/>
+              </a:ext>
+            </a:extLst>
+          </p:cNvPr>
+          <p:cNvGrpSpPr/>
+          <p:nvPr/>
+        </p:nvGrpSpPr>
+        <p:grpSpPr>
+          <a:xfrm>
+            <a:off x="2728462" y="2149145"/>
+            <a:ext cx="1165956" cy="1034206"/>
+            <a:chOff x="1937217" y="3317591"/>
+            <a:chExt cx="1165956" cy="1034206"/>
+          </a:xfrm>
+        </p:grpSpPr>
+        <p:sp>
+          <p:nvSpPr>
+            <p:cNvPr id="33" name="Rectangle 32">
+              <a:extLst>
+                <a:ext uri="{FF2B5EF4-FFF2-40B4-BE49-F238E27FC236}">
+                  <a16:creationId xmlns:a16="http://schemas.microsoft.com/office/drawing/2014/main" id="{BEA39829-D273-43D4-8D1A-5BE5BF82E67D}"/>
+                </a:ext>
+              </a:extLst>
+            </p:cNvPr>
+            <p:cNvSpPr/>
+            <p:nvPr/>
+          </p:nvSpPr>
+          <p:spPr>
+            <a:xfrm>
+              <a:off x="1937217" y="4097881"/>
+              <a:ext cx="1165956" cy="253916"/>
+            </a:xfrm>
+            <a:prstGeom prst="rect">
+              <a:avLst/>
+            </a:prstGeom>
+          </p:spPr>
+          <p:txBody>
+            <a:bodyPr wrap="square">
+              <a:spAutoFit/>
+            </a:bodyPr>
+            <a:lstStyle/>
+            <a:p>
+              <a:pPr marL="0" marR="0" lvl="0" indent="0" algn="ctr" defTabSz="914192" rtl="0" eaLnBrk="1" fontAlgn="auto" latinLnBrk="0" hangingPunct="1">
+                <a:lnSpc>
+                  <a:spcPct val="100000"/>
+                </a:lnSpc>
+                <a:spcBef>
+                  <a:spcPts val="0"/>
+                </a:spcBef>
+                <a:spcAft>
+                  <a:spcPts val="0"/>
+                </a:spcAft>
+                <a:buClrTx/>
+                <a:buSzTx/>
+                <a:buFontTx/>
+                <a:buNone/>
+                <a:tabLst/>
+                <a:defRPr/>
+              </a:pPr>
+              <a:r>
+                <a:rPr kumimoji="0" lang="en-US" sz="1050" b="0" i="0" u="none" strike="noStrike" kern="0" cap="none" spc="0" normalizeH="0" baseline="0" noProof="0" dirty="0">
+                  <a:ln>
+                    <a:noFill/>
+                  </a:ln>
+                  <a:solidFill>
+                    <a:srgbClr val="505050"/>
+                  </a:solidFill>
+                  <a:effectLst/>
+                  <a:uLnTx/>
+                  <a:uFillTx/>
+                  <a:latin typeface="Segoe UI Semibold" panose="020B0702040204020203" pitchFamily="34" charset="0"/>
+                  <a:ea typeface="MS PGothic" panose="020B0600070205080204" pitchFamily="34" charset="-128"/>
+                  <a:cs typeface="Segoe UI Semibold" panose="020B0702040204020203" pitchFamily="34" charset="0"/>
+                </a:rPr>
+                <a:t>Data Factory</a:t>
+              </a:r>
+            </a:p>
+          </p:txBody>
+        </p:sp>
+        <p:pic>
+          <p:nvPicPr>
+            <p:cNvPr id="34" name="Picture 33">
+              <a:extLst>
+                <a:ext uri="{FF2B5EF4-FFF2-40B4-BE49-F238E27FC236}">
+                  <a16:creationId xmlns:a16="http://schemas.microsoft.com/office/drawing/2014/main" id="{970F6289-CA46-478C-9F13-6D0A05E3B30C}"/>
+                </a:ext>
+              </a:extLst>
+            </p:cNvPr>
+            <p:cNvPicPr>
+              <a:picLocks noChangeAspect="1"/>
+            </p:cNvPicPr>
+            <p:nvPr/>
+          </p:nvPicPr>
+          <p:blipFill>
+            <a:blip r:embed="rId8">
+              <a:extLst>
+                <a:ext uri="{28A0092B-C50C-407E-A947-70E740481C1C}">
+                  <a14:useLocalDpi xmlns:a14="http://schemas.microsoft.com/office/drawing/2010/main" val="0"/>
+                </a:ext>
+              </a:extLst>
+            </a:blip>
+            <a:stretch>
+              <a:fillRect/>
+            </a:stretch>
+          </p:blipFill>
+          <p:spPr>
+            <a:xfrm>
+              <a:off x="2130050" y="3317591"/>
+              <a:ext cx="780290" cy="780290"/>
+            </a:xfrm>
+            <a:prstGeom prst="rect">
+              <a:avLst/>
+            </a:prstGeom>
+          </p:spPr>
+        </p:pic>
+      </p:grpSp>
+      <p:sp>
+        <p:nvSpPr>
+          <p:cNvPr id="36" name="Rectangle 35">
+            <a:extLst>
+              <a:ext uri="{FF2B5EF4-FFF2-40B4-BE49-F238E27FC236}">
+                <a16:creationId xmlns:a16="http://schemas.microsoft.com/office/drawing/2014/main" id="{960DD5A8-C3C8-4307-A9FA-0564C12EC886}"/>
+              </a:ext>
+            </a:extLst>
+          </p:cNvPr>
+          <p:cNvSpPr/>
+          <p:nvPr/>
+        </p:nvSpPr>
+        <p:spPr bwMode="auto">
+          <a:xfrm>
+            <a:off x="2008282" y="5413528"/>
+            <a:ext cx="8175437" cy="1262952"/>
+          </a:xfrm>
+          <a:prstGeom prst="rect">
+            <a:avLst/>
+          </a:prstGeom>
+          <a:noFill/>
+          <a:ln w="12700">
+            <a:solidFill>
+              <a:schemeClr val="tx2"/>
+            </a:solidFill>
+            <a:headEnd type="none" w="med" len="med"/>
+            <a:tailEnd type="none" w="med" len="med"/>
+          </a:ln>
+          <a:effectLst/>
+        </p:spPr>
+        <p:style>
+          <a:lnRef idx="1">
+            <a:schemeClr val="accent2"/>
+          </a:lnRef>
+          <a:fillRef idx="3">
+            <a:schemeClr val="accent2"/>
+          </a:fillRef>
+          <a:effectRef idx="2">
+            <a:schemeClr val="accent2"/>
+          </a:effectRef>
+          <a:fontRef idx="minor">
+            <a:schemeClr val="lt1"/>
+          </a:fontRef>
+        </p:style>
+        <p:txBody>
+          <a:bodyPr rot="0" spcFirstLastPara="0" vertOverflow="overflow" horzOverflow="overflow" vert="horz" wrap="square" lIns="182880" tIns="146304" rIns="182880" bIns="146304" numCol="1" spcCol="0" rtlCol="0" fromWordArt="0" anchor="t" anchorCtr="0" forceAA="0" compatLnSpc="1">
+            <a:prstTxWarp prst="textNoShape">
+              <a:avLst/>
+            </a:prstTxWarp>
+            <a:noAutofit/>
+          </a:bodyPr>
+          <a:lstStyle/>
+          <a:p>
+            <a:pPr marL="0" marR="0" lvl="0" indent="0" algn="ctr" defTabSz="932472" rtl="0" eaLnBrk="1" fontAlgn="base" latinLnBrk="0" hangingPunct="1">
+              <a:lnSpc>
+                <a:spcPct val="90000"/>
+              </a:lnSpc>
+              <a:spcBef>
+                <a:spcPct val="0"/>
+              </a:spcBef>
+              <a:spcAft>
+                <a:spcPct val="0"/>
+              </a:spcAft>
+              <a:buClrTx/>
+              <a:buSzTx/>
+              <a:buFontTx/>
+              <a:buNone/>
+              <a:tabLst/>
+              <a:defRPr/>
+            </a:pPr>
+            <a:endParaRPr kumimoji="0" lang="en-US" sz="2400" b="0" i="0" u="none" strike="noStrike" kern="1200" cap="none" spc="0" normalizeH="0" baseline="0" noProof="0" dirty="0">
+              <a:ln>
+                <a:noFill/>
+              </a:ln>
+              <a:gradFill>
+                <a:gsLst>
+                  <a:gs pos="0">
+                    <a:srgbClr val="FFFFFF"/>
+                  </a:gs>
+                  <a:gs pos="100000">
+                    <a:srgbClr val="FFFFFF"/>
+                  </a:gs>
+                </a:gsLst>
+                <a:lin ang="5400000" scaled="0"/>
+              </a:gradFill>
+              <a:effectLst/>
+              <a:uLnTx/>
+              <a:uFillTx/>
+              <a:latin typeface="Segoe UI"/>
+              <a:ea typeface="Segoe UI" pitchFamily="34" charset="0"/>
+              <a:cs typeface="Segoe UI" pitchFamily="34" charset="0"/>
+            </a:endParaRPr>
+          </a:p>
+        </p:txBody>
+      </p:sp>
+      <p:sp>
+        <p:nvSpPr>
+          <p:cNvPr id="37" name="Rectangle 36">
+            <a:extLst>
+              <a:ext uri="{FF2B5EF4-FFF2-40B4-BE49-F238E27FC236}">
+                <a16:creationId xmlns:a16="http://schemas.microsoft.com/office/drawing/2014/main" id="{E7D4962F-3EDF-4F13-88B6-FF1095E9E8AF}"/>
+              </a:ext>
+            </a:extLst>
+          </p:cNvPr>
+          <p:cNvSpPr/>
+          <p:nvPr/>
+        </p:nvSpPr>
+        <p:spPr bwMode="auto">
+          <a:xfrm>
+            <a:off x="10335242" y="1514811"/>
+            <a:ext cx="1432897" cy="307777"/>
+          </a:xfrm>
+          <a:prstGeom prst="rect">
+            <a:avLst/>
+          </a:prstGeom>
+          <a:noFill/>
+          <a:ln w="3175">
+            <a:noFill/>
+          </a:ln>
+        </p:spPr>
+        <p:style>
+          <a:lnRef idx="0">
+            <a:scrgbClr r="0" g="0" b="0"/>
+          </a:lnRef>
+          <a:fillRef idx="0">
+            <a:scrgbClr r="0" g="0" b="0"/>
+          </a:fillRef>
+          <a:effectRef idx="0">
+            <a:scrgbClr r="0" g="0" b="0"/>
+          </a:effectRef>
+          <a:fontRef idx="minor">
+            <a:schemeClr val="lt1"/>
+          </a:fontRef>
+        </p:style>
+        <p:txBody>
+          <a:bodyPr spcFirstLastPara="0" vert="horz" wrap="square" lIns="91440" tIns="45720" rIns="91440" bIns="45720" numCol="1" spcCol="1270" anchor="t" anchorCtr="0">
+            <a:spAutoFit/>
+          </a:bodyPr>
+          <a:lstStyle/>
+          <a:p>
+            <a:pPr marL="0" marR="0" lvl="0" indent="0" algn="ctr" defTabSz="710593" rtl="0" eaLnBrk="1" fontAlgn="auto" latinLnBrk="0" hangingPunct="1">
+              <a:lnSpc>
+                <a:spcPct val="100000"/>
+              </a:lnSpc>
+              <a:spcBef>
+                <a:spcPct val="0"/>
+              </a:spcBef>
+              <a:spcAft>
+                <a:spcPct val="35000"/>
+              </a:spcAft>
+              <a:buClrTx/>
+              <a:buSzTx/>
+              <a:buFontTx/>
+              <a:buNone/>
+              <a:tabLst/>
+              <a:defRPr/>
+            </a:pPr>
+            <a:r>
+              <a:rPr kumimoji="0" lang="en-US" sz="1400" b="0" i="0" u="none" strike="noStrike" kern="0" cap="none" spc="0" normalizeH="0" baseline="0" noProof="0" dirty="0">
+                <a:ln>
+                  <a:noFill/>
+                </a:ln>
+                <a:solidFill>
+                  <a:srgbClr val="0078D7"/>
+                </a:solidFill>
+                <a:effectLst/>
+                <a:uLnTx/>
+                <a:uFillTx/>
+                <a:latin typeface="Segoe UI Semibold" panose="020B0702040204020203" pitchFamily="34" charset="0"/>
+                <a:ea typeface="+mn-ea"/>
+                <a:cs typeface="Segoe UI Semibold" panose="020B0702040204020203" pitchFamily="34" charset="0"/>
+              </a:rPr>
+              <a:t>Intelligence</a:t>
+            </a:r>
+          </a:p>
+        </p:txBody>
+      </p:sp>
+      <p:cxnSp>
+        <p:nvCxnSpPr>
+          <p:cNvPr id="42" name="Straight Arrow Connector 41">
+            <a:extLst>
+              <a:ext uri="{FF2B5EF4-FFF2-40B4-BE49-F238E27FC236}">
+                <a16:creationId xmlns:a16="http://schemas.microsoft.com/office/drawing/2014/main" id="{99709FAF-175E-4097-80FB-69B5918E1657}"/>
+              </a:ext>
+            </a:extLst>
+          </p:cNvPr>
+          <p:cNvCxnSpPr>
+            <a:cxnSpLocks/>
+            <a:endCxn id="30" idx="1"/>
+          </p:cNvCxnSpPr>
+          <p:nvPr/>
+        </p:nvCxnSpPr>
+        <p:spPr>
+          <a:xfrm>
+            <a:off x="5416826" y="3140765"/>
+            <a:ext cx="1260315" cy="1169709"/>
+          </a:xfrm>
+          <a:prstGeom prst="straightConnector1">
+            <a:avLst/>
+          </a:prstGeom>
+          <a:ln>
+            <a:headEnd type="none" w="med" len="med"/>
+            <a:tailEnd type="arrow" w="med" len="med"/>
+          </a:ln>
+        </p:spPr>
+        <p:style>
+          <a:lnRef idx="3">
+            <a:schemeClr val="accent1"/>
+          </a:lnRef>
+          <a:fillRef idx="0">
+            <a:schemeClr val="accent1"/>
+          </a:fillRef>
+          <a:effectRef idx="2">
+            <a:schemeClr val="accent1"/>
+          </a:effectRef>
+          <a:fontRef idx="minor">
+            <a:schemeClr val="tx1"/>
+          </a:fontRef>
+        </p:style>
+      </p:cxnSp>
+    </p:spTree>
+    <p:extLst>
+      <p:ext uri="{BB962C8B-B14F-4D97-AF65-F5344CB8AC3E}">
+        <p14:creationId xmlns:p14="http://schemas.microsoft.com/office/powerpoint/2010/main" val="2283742483"/>
+      </p:ext>
+    </p:extLst>
+  </p:cSld>
+  <p:clrMapOvr>
+    <a:masterClrMapping/>
+  </p:clrMapOvr>
+</p:sld>
+</file>
+
+<file path=ppt/slides/slide11.xml><?xml version="1.0" encoding="utf-8"?>
+<p:sld xmlns:a="http://schemas.openxmlformats.org/drawingml/2006/main" xmlns:r="http://schemas.openxmlformats.org/officeDocument/2006/relationships" xmlns:p="http://schemas.openxmlformats.org/presentationml/2006/main">
+  <p:cSld>
+    <p:spTree>
+      <p:nvGrpSpPr>
+        <p:cNvPr id="1" name=""/>
+        <p:cNvGrpSpPr/>
+        <p:nvPr/>
+      </p:nvGrpSpPr>
+      <p:grpSpPr>
+        <a:xfrm>
+          <a:off x="0" y="0"/>
+          <a:ext cx="0" cy="0"/>
+          <a:chOff x="0" y="0"/>
+          <a:chExt cx="0" cy="0"/>
+        </a:xfrm>
+      </p:grpSpPr>
+      <p:sp>
+        <p:nvSpPr>
+          <p:cNvPr id="2" name="Title 1">
+            <a:extLst>
+              <a:ext uri="{FF2B5EF4-FFF2-40B4-BE49-F238E27FC236}">
                 <a16:creationId xmlns:a16="http://schemas.microsoft.com/office/drawing/2014/main" id="{2AF20366-1FEA-4233-9ACA-439C2892C536}"/>
               </a:ext>
             </a:extLst>
@@ -6915,7 +8488,7 @@
 </p:sld>
 </file>
 
-<file path=ppt/slides/slide11.xml><?xml version="1.0" encoding="utf-8"?>
+<file path=ppt/slides/slide12.xml><?xml version="1.0" encoding="utf-8"?>
 <p:sld xmlns:a="http://schemas.openxmlformats.org/drawingml/2006/main" xmlns:r="http://schemas.openxmlformats.org/officeDocument/2006/relationships" xmlns:p="http://schemas.openxmlformats.org/presentationml/2006/main">
   <p:cSld>
     <p:spTree>
@@ -8778,7 +10351,7 @@
 </p:sld>
 </file>
 
-<file path=ppt/slides/slide12.xml><?xml version="1.0" encoding="utf-8"?>
+<file path=ppt/slides/slide13.xml><?xml version="1.0" encoding="utf-8"?>
 <p:sld xmlns:a="http://schemas.openxmlformats.org/drawingml/2006/main" xmlns:r="http://schemas.openxmlformats.org/officeDocument/2006/relationships" xmlns:p="http://schemas.openxmlformats.org/presentationml/2006/main">
   <p:cSld>
     <p:spTree>
@@ -8883,7 +10456,7 @@
 </p:sld>
 </file>
 
-<file path=ppt/slides/slide13.xml><?xml version="1.0" encoding="utf-8"?>
+<file path=ppt/slides/slide14.xml><?xml version="1.0" encoding="utf-8"?>
 <p:sld xmlns:a="http://schemas.openxmlformats.org/drawingml/2006/main" xmlns:r="http://schemas.openxmlformats.org/officeDocument/2006/relationships" xmlns:p="http://schemas.openxmlformats.org/presentationml/2006/main">
   <p:cSld>
     <p:spTree>
@@ -10159,7 +11732,7 @@
 </p:sld>
 </file>
 
-<file path=ppt/slides/slide14.xml><?xml version="1.0" encoding="utf-8"?>
+<file path=ppt/slides/slide15.xml><?xml version="1.0" encoding="utf-8"?>
 <p:sld xmlns:a="http://schemas.openxmlformats.org/drawingml/2006/main" xmlns:r="http://schemas.openxmlformats.org/officeDocument/2006/relationships" xmlns:p="http://schemas.openxmlformats.org/presentationml/2006/main">
   <p:cSld>
     <p:spTree>
@@ -11207,7 +12780,7 @@
 </p:sld>
 </file>
 
-<file path=ppt/slides/slide15.xml><?xml version="1.0" encoding="utf-8"?>
+<file path=ppt/slides/slide16.xml><?xml version="1.0" encoding="utf-8"?>
 <p:sld xmlns:a="http://schemas.openxmlformats.org/drawingml/2006/main" xmlns:r="http://schemas.openxmlformats.org/officeDocument/2006/relationships" xmlns:p="http://schemas.openxmlformats.org/presentationml/2006/main">
   <p:cSld>
     <p:spTree>
@@ -12255,7 +13828,7 @@
 </p:sld>
 </file>
 
-<file path=ppt/slides/slide16.xml><?xml version="1.0" encoding="utf-8"?>
+<file path=ppt/slides/slide17.xml><?xml version="1.0" encoding="utf-8"?>
 <p:sld xmlns:a="http://schemas.openxmlformats.org/drawingml/2006/main" xmlns:r="http://schemas.openxmlformats.org/officeDocument/2006/relationships" xmlns:p="http://schemas.openxmlformats.org/presentationml/2006/main">
   <p:cSld>
     <p:spTree>
@@ -17869,6 +19442,1615 @@
           <p:cNvPr id="2" name="Title 1">
             <a:extLst>
               <a:ext uri="{FF2B5EF4-FFF2-40B4-BE49-F238E27FC236}">
+                <a16:creationId xmlns:a16="http://schemas.microsoft.com/office/drawing/2014/main" id="{10BC9C48-296F-4B39-8BAB-5C4383AF6B9D}"/>
+              </a:ext>
+            </a:extLst>
+          </p:cNvPr>
+          <p:cNvSpPr>
+            <a:spLocks noGrp="1"/>
+          </p:cNvSpPr>
+          <p:nvPr>
+            <p:ph type="title"/>
+          </p:nvPr>
+        </p:nvSpPr>
+        <p:spPr/>
+        <p:txBody>
+          <a:bodyPr/>
+          <a:lstStyle/>
+          <a:p>
+            <a:r>
+              <a:rPr lang="en-US" dirty="0"/>
+              <a:t>5. Azure Machine Learning Service</a:t>
+            </a:r>
+          </a:p>
+        </p:txBody>
+      </p:sp>
+      <p:sp>
+        <p:nvSpPr>
+          <p:cNvPr id="4" name="Text Placeholder 3">
+            <a:extLst>
+              <a:ext uri="{FF2B5EF4-FFF2-40B4-BE49-F238E27FC236}">
+                <a16:creationId xmlns:a16="http://schemas.microsoft.com/office/drawing/2014/main" id="{CD601038-DB80-4E36-9236-3C69925AFBE2}"/>
+              </a:ext>
+            </a:extLst>
+          </p:cNvPr>
+          <p:cNvSpPr>
+            <a:spLocks noGrp="1"/>
+          </p:cNvSpPr>
+          <p:nvPr>
+            <p:ph type="body" sz="quarter" idx="10"/>
+          </p:nvPr>
+        </p:nvSpPr>
+        <p:spPr/>
+        <p:txBody>
+          <a:bodyPr/>
+          <a:lstStyle/>
+          <a:p>
+            <a:r>
+              <a:rPr lang="en-US" dirty="0"/>
+              <a:t>Lab Architecture</a:t>
+            </a:r>
+          </a:p>
+        </p:txBody>
+      </p:sp>
+      <p:sp>
+        <p:nvSpPr>
+          <p:cNvPr id="53" name="Rectangle 52">
+            <a:extLst>
+              <a:ext uri="{FF2B5EF4-FFF2-40B4-BE49-F238E27FC236}">
+                <a16:creationId xmlns:a16="http://schemas.microsoft.com/office/drawing/2014/main" id="{96CA369D-AD82-4D89-B839-CD63091DD7E5}"/>
+              </a:ext>
+            </a:extLst>
+          </p:cNvPr>
+          <p:cNvSpPr/>
+          <p:nvPr/>
+        </p:nvSpPr>
+        <p:spPr bwMode="auto">
+          <a:xfrm>
+            <a:off x="2008282" y="1312066"/>
+            <a:ext cx="8175437" cy="4023555"/>
+          </a:xfrm>
+          <a:prstGeom prst="rect">
+            <a:avLst/>
+          </a:prstGeom>
+          <a:noFill/>
+          <a:ln w="12700">
+            <a:solidFill>
+              <a:schemeClr val="tx2"/>
+            </a:solidFill>
+            <a:headEnd type="none" w="med" len="med"/>
+            <a:tailEnd type="none" w="med" len="med"/>
+          </a:ln>
+          <a:effectLst/>
+        </p:spPr>
+        <p:style>
+          <a:lnRef idx="1">
+            <a:schemeClr val="accent2"/>
+          </a:lnRef>
+          <a:fillRef idx="3">
+            <a:schemeClr val="accent2"/>
+          </a:fillRef>
+          <a:effectRef idx="2">
+            <a:schemeClr val="accent2"/>
+          </a:effectRef>
+          <a:fontRef idx="minor">
+            <a:schemeClr val="lt1"/>
+          </a:fontRef>
+        </p:style>
+        <p:txBody>
+          <a:bodyPr rot="0" spcFirstLastPara="0" vertOverflow="overflow" horzOverflow="overflow" vert="horz" wrap="square" lIns="182880" tIns="146304" rIns="182880" bIns="146304" numCol="1" spcCol="0" rtlCol="0" fromWordArt="0" anchor="t" anchorCtr="0" forceAA="0" compatLnSpc="1">
+            <a:prstTxWarp prst="textNoShape">
+              <a:avLst/>
+            </a:prstTxWarp>
+            <a:noAutofit/>
+          </a:bodyPr>
+          <a:lstStyle/>
+          <a:p>
+            <a:pPr marL="0" marR="0" lvl="0" indent="0" algn="ctr" defTabSz="932472" rtl="0" eaLnBrk="1" fontAlgn="base" latinLnBrk="0" hangingPunct="1">
+              <a:lnSpc>
+                <a:spcPct val="90000"/>
+              </a:lnSpc>
+              <a:spcBef>
+                <a:spcPct val="0"/>
+              </a:spcBef>
+              <a:spcAft>
+                <a:spcPct val="0"/>
+              </a:spcAft>
+              <a:buClrTx/>
+              <a:buSzTx/>
+              <a:buFontTx/>
+              <a:buNone/>
+              <a:tabLst/>
+              <a:defRPr/>
+            </a:pPr>
+            <a:endParaRPr kumimoji="0" lang="en-US" sz="2400" b="0" i="0" u="none" strike="noStrike" kern="1200" cap="none" spc="0" normalizeH="0" baseline="0" noProof="0" dirty="0">
+              <a:ln>
+                <a:noFill/>
+              </a:ln>
+              <a:gradFill>
+                <a:gsLst>
+                  <a:gs pos="0">
+                    <a:srgbClr val="FFFFFF"/>
+                  </a:gs>
+                  <a:gs pos="100000">
+                    <a:srgbClr val="FFFFFF"/>
+                  </a:gs>
+                </a:gsLst>
+                <a:lin ang="5400000" scaled="0"/>
+              </a:gradFill>
+              <a:effectLst/>
+              <a:uLnTx/>
+              <a:uFillTx/>
+              <a:latin typeface="Segoe UI"/>
+              <a:ea typeface="Segoe UI" pitchFamily="34" charset="0"/>
+              <a:cs typeface="Segoe UI" pitchFamily="34" charset="0"/>
+            </a:endParaRPr>
+          </a:p>
+        </p:txBody>
+      </p:sp>
+      <p:sp>
+        <p:nvSpPr>
+          <p:cNvPr id="54" name="Rectangle 53">
+            <a:extLst>
+              <a:ext uri="{FF2B5EF4-FFF2-40B4-BE49-F238E27FC236}">
+                <a16:creationId xmlns:a16="http://schemas.microsoft.com/office/drawing/2014/main" id="{8D764313-EEFC-4FE0-8604-A5AE2943483A}"/>
+              </a:ext>
+            </a:extLst>
+          </p:cNvPr>
+          <p:cNvSpPr/>
+          <p:nvPr/>
+        </p:nvSpPr>
+        <p:spPr bwMode="auto">
+          <a:xfrm>
+            <a:off x="8430647" y="1514811"/>
+            <a:ext cx="1432897" cy="307777"/>
+          </a:xfrm>
+          <a:prstGeom prst="rect">
+            <a:avLst/>
+          </a:prstGeom>
+          <a:noFill/>
+          <a:ln w="3175">
+            <a:noFill/>
+          </a:ln>
+        </p:spPr>
+        <p:style>
+          <a:lnRef idx="0">
+            <a:scrgbClr r="0" g="0" b="0"/>
+          </a:lnRef>
+          <a:fillRef idx="0">
+            <a:scrgbClr r="0" g="0" b="0"/>
+          </a:fillRef>
+          <a:effectRef idx="0">
+            <a:scrgbClr r="0" g="0" b="0"/>
+          </a:effectRef>
+          <a:fontRef idx="minor">
+            <a:schemeClr val="lt1"/>
+          </a:fontRef>
+        </p:style>
+        <p:txBody>
+          <a:bodyPr spcFirstLastPara="0" vert="horz" wrap="square" lIns="91440" tIns="45720" rIns="91440" bIns="45720" numCol="1" spcCol="1270" anchor="t" anchorCtr="0">
+            <a:spAutoFit/>
+          </a:bodyPr>
+          <a:lstStyle/>
+          <a:p>
+            <a:pPr marL="0" marR="0" lvl="0" indent="0" algn="ctr" defTabSz="710593" rtl="0" eaLnBrk="1" fontAlgn="auto" latinLnBrk="0" hangingPunct="1">
+              <a:lnSpc>
+                <a:spcPct val="100000"/>
+              </a:lnSpc>
+              <a:spcBef>
+                <a:spcPct val="0"/>
+              </a:spcBef>
+              <a:spcAft>
+                <a:spcPct val="35000"/>
+              </a:spcAft>
+              <a:buClrTx/>
+              <a:buSzTx/>
+              <a:buFontTx/>
+              <a:buNone/>
+              <a:tabLst/>
+              <a:defRPr/>
+            </a:pPr>
+            <a:r>
+              <a:rPr kumimoji="0" lang="en-US" sz="1400" b="0" i="0" u="none" strike="noStrike" kern="0" cap="none" spc="0" normalizeH="0" baseline="0" noProof="0" dirty="0">
+                <a:ln>
+                  <a:noFill/>
+                </a:ln>
+                <a:solidFill>
+                  <a:srgbClr val="0078D7"/>
+                </a:solidFill>
+                <a:effectLst/>
+                <a:uLnTx/>
+                <a:uFillTx/>
+                <a:latin typeface="Segoe UI Semibold" panose="020B0702040204020203" pitchFamily="34" charset="0"/>
+                <a:ea typeface="+mn-ea"/>
+                <a:cs typeface="Segoe UI Semibold" panose="020B0702040204020203" pitchFamily="34" charset="0"/>
+              </a:rPr>
+              <a:t>Model &amp; Serve</a:t>
+            </a:r>
+          </a:p>
+        </p:txBody>
+      </p:sp>
+      <p:sp>
+        <p:nvSpPr>
+          <p:cNvPr id="55" name="Rectangle 54">
+            <a:extLst>
+              <a:ext uri="{FF2B5EF4-FFF2-40B4-BE49-F238E27FC236}">
+                <a16:creationId xmlns:a16="http://schemas.microsoft.com/office/drawing/2014/main" id="{DA380981-9B72-49CA-86F4-2CE3CDBACF39}"/>
+              </a:ext>
+            </a:extLst>
+          </p:cNvPr>
+          <p:cNvSpPr/>
+          <p:nvPr/>
+        </p:nvSpPr>
+        <p:spPr bwMode="auto">
+          <a:xfrm>
+            <a:off x="6423624" y="1514811"/>
+            <a:ext cx="1377453" cy="307777"/>
+          </a:xfrm>
+          <a:prstGeom prst="rect">
+            <a:avLst/>
+          </a:prstGeom>
+          <a:noFill/>
+          <a:ln w="3175">
+            <a:noFill/>
+          </a:ln>
+        </p:spPr>
+        <p:style>
+          <a:lnRef idx="0">
+            <a:scrgbClr r="0" g="0" b="0"/>
+          </a:lnRef>
+          <a:fillRef idx="0">
+            <a:scrgbClr r="0" g="0" b="0"/>
+          </a:fillRef>
+          <a:effectRef idx="0">
+            <a:scrgbClr r="0" g="0" b="0"/>
+          </a:effectRef>
+          <a:fontRef idx="minor">
+            <a:schemeClr val="lt1"/>
+          </a:fontRef>
+        </p:style>
+        <p:txBody>
+          <a:bodyPr spcFirstLastPara="0" vert="horz" wrap="square" lIns="91440" tIns="45720" rIns="91440" bIns="45720" numCol="1" spcCol="1270" anchor="t" anchorCtr="0">
+            <a:spAutoFit/>
+          </a:bodyPr>
+          <a:lstStyle/>
+          <a:p>
+            <a:pPr marL="0" marR="0" lvl="0" indent="0" algn="ctr" defTabSz="710593" rtl="0" eaLnBrk="1" fontAlgn="auto" latinLnBrk="0" hangingPunct="1">
+              <a:lnSpc>
+                <a:spcPct val="100000"/>
+              </a:lnSpc>
+              <a:spcBef>
+                <a:spcPct val="0"/>
+              </a:spcBef>
+              <a:spcAft>
+                <a:spcPct val="35000"/>
+              </a:spcAft>
+              <a:buClrTx/>
+              <a:buSzTx/>
+              <a:buFontTx/>
+              <a:buNone/>
+              <a:tabLst/>
+              <a:defRPr/>
+            </a:pPr>
+            <a:r>
+              <a:rPr kumimoji="0" lang="en-US" sz="1400" b="0" i="0" u="none" strike="noStrike" kern="0" cap="none" spc="0" normalizeH="0" baseline="0" noProof="0" dirty="0">
+                <a:ln>
+                  <a:noFill/>
+                </a:ln>
+                <a:solidFill>
+                  <a:srgbClr val="0078D7"/>
+                </a:solidFill>
+                <a:effectLst/>
+                <a:uLnTx/>
+                <a:uFillTx/>
+                <a:latin typeface="Segoe UI Semibold" panose="020B0702040204020203" pitchFamily="34" charset="0"/>
+                <a:ea typeface="+mn-ea"/>
+                <a:cs typeface="Segoe UI Semibold" panose="020B0702040204020203" pitchFamily="34" charset="0"/>
+              </a:rPr>
+              <a:t>Prep &amp; Train</a:t>
+            </a:r>
+          </a:p>
+        </p:txBody>
+      </p:sp>
+      <p:sp>
+        <p:nvSpPr>
+          <p:cNvPr id="56" name="Rectangle 55">
+            <a:extLst>
+              <a:ext uri="{FF2B5EF4-FFF2-40B4-BE49-F238E27FC236}">
+                <a16:creationId xmlns:a16="http://schemas.microsoft.com/office/drawing/2014/main" id="{93D86F51-90E4-41B9-BCD0-6A5E394379B8}"/>
+              </a:ext>
+            </a:extLst>
+          </p:cNvPr>
+          <p:cNvSpPr/>
+          <p:nvPr/>
+        </p:nvSpPr>
+        <p:spPr bwMode="auto">
+          <a:xfrm>
+            <a:off x="4379443" y="1514811"/>
+            <a:ext cx="1392554" cy="307777"/>
+          </a:xfrm>
+          <a:prstGeom prst="rect">
+            <a:avLst/>
+          </a:prstGeom>
+          <a:noFill/>
+          <a:ln w="3175">
+            <a:noFill/>
+          </a:ln>
+        </p:spPr>
+        <p:style>
+          <a:lnRef idx="0">
+            <a:scrgbClr r="0" g="0" b="0"/>
+          </a:lnRef>
+          <a:fillRef idx="0">
+            <a:scrgbClr r="0" g="0" b="0"/>
+          </a:fillRef>
+          <a:effectRef idx="0">
+            <a:scrgbClr r="0" g="0" b="0"/>
+          </a:effectRef>
+          <a:fontRef idx="minor">
+            <a:schemeClr val="lt1"/>
+          </a:fontRef>
+        </p:style>
+        <p:txBody>
+          <a:bodyPr spcFirstLastPara="0" vert="horz" wrap="square" lIns="91440" tIns="45720" rIns="91440" bIns="45720" numCol="1" spcCol="1270" anchor="t" anchorCtr="0">
+            <a:spAutoFit/>
+          </a:bodyPr>
+          <a:lstStyle/>
+          <a:p>
+            <a:pPr marL="0" marR="0" lvl="0" indent="0" algn="ctr" defTabSz="522599" rtl="0" eaLnBrk="1" fontAlgn="auto" latinLnBrk="0" hangingPunct="1">
+              <a:lnSpc>
+                <a:spcPct val="100000"/>
+              </a:lnSpc>
+              <a:spcBef>
+                <a:spcPct val="0"/>
+              </a:spcBef>
+              <a:spcAft>
+                <a:spcPct val="35000"/>
+              </a:spcAft>
+              <a:buClrTx/>
+              <a:buSzTx/>
+              <a:buFontTx/>
+              <a:buNone/>
+              <a:tabLst/>
+              <a:defRPr/>
+            </a:pPr>
+            <a:r>
+              <a:rPr kumimoji="0" lang="en-US" sz="1400" b="0" i="0" u="none" strike="noStrike" kern="0" cap="none" spc="0" normalizeH="0" baseline="0" noProof="0" dirty="0">
+                <a:ln>
+                  <a:noFill/>
+                </a:ln>
+                <a:solidFill>
+                  <a:srgbClr val="0078D7"/>
+                </a:solidFill>
+                <a:effectLst/>
+                <a:uLnTx/>
+                <a:uFillTx/>
+                <a:latin typeface="Segoe UI Semibold" panose="020B0702040204020203" pitchFamily="34" charset="0"/>
+                <a:ea typeface="+mn-ea"/>
+                <a:cs typeface="Segoe UI Semibold" panose="020B0702040204020203" pitchFamily="34" charset="0"/>
+              </a:rPr>
+              <a:t>Store</a:t>
+            </a:r>
+          </a:p>
+        </p:txBody>
+      </p:sp>
+      <p:sp>
+        <p:nvSpPr>
+          <p:cNvPr id="57" name="Rectangle 56">
+            <a:extLst>
+              <a:ext uri="{FF2B5EF4-FFF2-40B4-BE49-F238E27FC236}">
+                <a16:creationId xmlns:a16="http://schemas.microsoft.com/office/drawing/2014/main" id="{76044B4B-E174-474A-A8C7-0DAEEBC57AEE}"/>
+              </a:ext>
+            </a:extLst>
+          </p:cNvPr>
+          <p:cNvSpPr/>
+          <p:nvPr/>
+        </p:nvSpPr>
+        <p:spPr bwMode="auto">
+          <a:xfrm>
+            <a:off x="2423926" y="1514811"/>
+            <a:ext cx="1384695" cy="307777"/>
+          </a:xfrm>
+          <a:prstGeom prst="rect">
+            <a:avLst/>
+          </a:prstGeom>
+          <a:noFill/>
+          <a:ln w="3175">
+            <a:noFill/>
+          </a:ln>
+        </p:spPr>
+        <p:style>
+          <a:lnRef idx="0">
+            <a:scrgbClr r="0" g="0" b="0"/>
+          </a:lnRef>
+          <a:fillRef idx="0">
+            <a:scrgbClr r="0" g="0" b="0"/>
+          </a:fillRef>
+          <a:effectRef idx="0">
+            <a:scrgbClr r="0" g="0" b="0"/>
+          </a:effectRef>
+          <a:fontRef idx="minor">
+            <a:schemeClr val="lt1"/>
+          </a:fontRef>
+        </p:style>
+        <p:txBody>
+          <a:bodyPr spcFirstLastPara="0" vert="horz" wrap="square" lIns="91440" tIns="45720" rIns="91440" bIns="45720" numCol="1" spcCol="1270" anchor="t" anchorCtr="0">
+            <a:spAutoFit/>
+          </a:bodyPr>
+          <a:lstStyle/>
+          <a:p>
+            <a:pPr marL="0" marR="0" lvl="0" indent="0" algn="ctr" defTabSz="710593" rtl="0" eaLnBrk="1" fontAlgn="auto" latinLnBrk="0" hangingPunct="1">
+              <a:lnSpc>
+                <a:spcPct val="100000"/>
+              </a:lnSpc>
+              <a:spcBef>
+                <a:spcPct val="0"/>
+              </a:spcBef>
+              <a:spcAft>
+                <a:spcPct val="35000"/>
+              </a:spcAft>
+              <a:buClrTx/>
+              <a:buSzTx/>
+              <a:buFontTx/>
+              <a:buNone/>
+              <a:tabLst/>
+              <a:defRPr/>
+            </a:pPr>
+            <a:r>
+              <a:rPr kumimoji="0" lang="en-US" sz="1400" b="0" i="0" u="none" strike="noStrike" kern="0" cap="none" spc="0" normalizeH="0" baseline="0" noProof="0" dirty="0">
+                <a:ln>
+                  <a:noFill/>
+                </a:ln>
+                <a:solidFill>
+                  <a:srgbClr val="0078D7"/>
+                </a:solidFill>
+                <a:effectLst/>
+                <a:uLnTx/>
+                <a:uFillTx/>
+                <a:latin typeface="Segoe UI Semibold" panose="020B0702040204020203" pitchFamily="34" charset="0"/>
+                <a:ea typeface="+mn-ea"/>
+                <a:cs typeface="Segoe UI Semibold" panose="020B0702040204020203" pitchFamily="34" charset="0"/>
+              </a:rPr>
+              <a:t>Ingest</a:t>
+            </a:r>
+          </a:p>
+        </p:txBody>
+      </p:sp>
+      <p:sp>
+        <p:nvSpPr>
+          <p:cNvPr id="63" name="Rectangle 62">
+            <a:extLst>
+              <a:ext uri="{FF2B5EF4-FFF2-40B4-BE49-F238E27FC236}">
+                <a16:creationId xmlns:a16="http://schemas.microsoft.com/office/drawing/2014/main" id="{158EE9E8-F938-42CA-A6EA-F7060344AE5E}"/>
+              </a:ext>
+            </a:extLst>
+          </p:cNvPr>
+          <p:cNvSpPr/>
+          <p:nvPr/>
+        </p:nvSpPr>
+        <p:spPr>
+          <a:xfrm>
+            <a:off x="4657206" y="2977512"/>
+            <a:ext cx="860592" cy="253916"/>
+          </a:xfrm>
+          <a:prstGeom prst="rect">
+            <a:avLst/>
+          </a:prstGeom>
+        </p:spPr>
+        <p:txBody>
+          <a:bodyPr wrap="square">
+            <a:spAutoFit/>
+          </a:bodyPr>
+          <a:lstStyle/>
+          <a:p>
+            <a:pPr marL="0" marR="0" lvl="0" indent="0" algn="ctr" defTabSz="914400" rtl="0" eaLnBrk="1" fontAlgn="auto" latinLnBrk="0" hangingPunct="1">
+              <a:lnSpc>
+                <a:spcPct val="100000"/>
+              </a:lnSpc>
+              <a:spcBef>
+                <a:spcPts val="0"/>
+              </a:spcBef>
+              <a:spcAft>
+                <a:spcPts val="0"/>
+              </a:spcAft>
+              <a:buClrTx/>
+              <a:buSzTx/>
+              <a:buFontTx/>
+              <a:buNone/>
+              <a:tabLst/>
+              <a:defRPr/>
+            </a:pPr>
+            <a:r>
+              <a:rPr kumimoji="0" lang="en-US" sz="1050" b="0" i="0" u="none" strike="noStrike" kern="0" cap="none" spc="0" normalizeH="0" baseline="0" noProof="0" dirty="0">
+                <a:ln>
+                  <a:noFill/>
+                </a:ln>
+                <a:solidFill>
+                  <a:srgbClr val="505050"/>
+                </a:solidFill>
+                <a:effectLst/>
+                <a:uLnTx/>
+                <a:uFillTx/>
+                <a:latin typeface="Segoe UI Semibold" panose="020B0702040204020203" pitchFamily="34" charset="0"/>
+                <a:ea typeface="+mn-ea"/>
+                <a:cs typeface="Segoe UI Semibold" panose="020B0702040204020203" pitchFamily="34" charset="0"/>
+              </a:rPr>
+              <a:t>ADLSg2</a:t>
+            </a:r>
+          </a:p>
+        </p:txBody>
+      </p:sp>
+      <p:grpSp>
+        <p:nvGrpSpPr>
+          <p:cNvPr id="65" name="Group 64">
+            <a:extLst>
+              <a:ext uri="{FF2B5EF4-FFF2-40B4-BE49-F238E27FC236}">
+                <a16:creationId xmlns:a16="http://schemas.microsoft.com/office/drawing/2014/main" id="{4BDFB836-1C54-42EF-8C2A-538FC7D272C9}"/>
+              </a:ext>
+            </a:extLst>
+          </p:cNvPr>
+          <p:cNvGrpSpPr/>
+          <p:nvPr/>
+        </p:nvGrpSpPr>
+        <p:grpSpPr>
+          <a:xfrm>
+            <a:off x="2881144" y="5527901"/>
+            <a:ext cx="860592" cy="1034206"/>
+            <a:chOff x="2293969" y="5512832"/>
+            <a:chExt cx="860592" cy="1034206"/>
+          </a:xfrm>
+        </p:grpSpPr>
+        <p:pic>
+          <p:nvPicPr>
+            <p:cNvPr id="66" name="Picture 65">
+              <a:extLst>
+                <a:ext uri="{FF2B5EF4-FFF2-40B4-BE49-F238E27FC236}">
+                  <a16:creationId xmlns:a16="http://schemas.microsoft.com/office/drawing/2014/main" id="{4F21414F-82C6-4122-94EC-D30AAF7ADFC4}"/>
+                </a:ext>
+              </a:extLst>
+            </p:cNvPr>
+            <p:cNvPicPr>
+              <a:picLocks noChangeAspect="1"/>
+            </p:cNvPicPr>
+            <p:nvPr/>
+          </p:nvPicPr>
+          <p:blipFill>
+            <a:blip r:embed="rId2">
+              <a:duotone>
+                <a:schemeClr val="bg2">
+                  <a:shade val="45000"/>
+                  <a:satMod val="135000"/>
+                </a:schemeClr>
+                <a:prstClr val="white"/>
+              </a:duotone>
+              <a:extLst>
+                <a:ext uri="{28A0092B-C50C-407E-A947-70E740481C1C}">
+                  <a14:useLocalDpi xmlns:a14="http://schemas.microsoft.com/office/drawing/2010/main" val="0"/>
+                </a:ext>
+              </a:extLst>
+            </a:blip>
+            <a:stretch>
+              <a:fillRect/>
+            </a:stretch>
+          </p:blipFill>
+          <p:spPr>
+            <a:xfrm>
+              <a:off x="2325896" y="5512832"/>
+              <a:ext cx="780290" cy="780290"/>
+            </a:xfrm>
+            <a:prstGeom prst="rect">
+              <a:avLst/>
+            </a:prstGeom>
+          </p:spPr>
+        </p:pic>
+        <p:sp>
+          <p:nvSpPr>
+            <p:cNvPr id="67" name="Rectangle 66">
+              <a:extLst>
+                <a:ext uri="{FF2B5EF4-FFF2-40B4-BE49-F238E27FC236}">
+                  <a16:creationId xmlns:a16="http://schemas.microsoft.com/office/drawing/2014/main" id="{7234E20E-7CB9-4F7D-B33D-519324F48A31}"/>
+                </a:ext>
+              </a:extLst>
+            </p:cNvPr>
+            <p:cNvSpPr/>
+            <p:nvPr/>
+          </p:nvSpPr>
+          <p:spPr>
+            <a:xfrm>
+              <a:off x="2293969" y="6293122"/>
+              <a:ext cx="860592" cy="253916"/>
+            </a:xfrm>
+            <a:prstGeom prst="rect">
+              <a:avLst/>
+            </a:prstGeom>
+          </p:spPr>
+          <p:txBody>
+            <a:bodyPr wrap="square">
+              <a:spAutoFit/>
+            </a:bodyPr>
+            <a:lstStyle/>
+            <a:p>
+              <a:pPr marL="0" marR="0" lvl="0" indent="0" algn="ctr" defTabSz="914400" rtl="0" eaLnBrk="1" fontAlgn="auto" latinLnBrk="0" hangingPunct="1">
+                <a:lnSpc>
+                  <a:spcPct val="100000"/>
+                </a:lnSpc>
+                <a:spcBef>
+                  <a:spcPts val="0"/>
+                </a:spcBef>
+                <a:spcAft>
+                  <a:spcPts val="0"/>
+                </a:spcAft>
+                <a:buClrTx/>
+                <a:buSzTx/>
+                <a:buFontTx/>
+                <a:buNone/>
+                <a:tabLst/>
+                <a:defRPr/>
+              </a:pPr>
+              <a:r>
+                <a:rPr kumimoji="0" lang="en-US" sz="1050" b="0" i="0" u="none" strike="noStrike" kern="0" cap="none" spc="0" normalizeH="0" baseline="0" noProof="0" dirty="0">
+                  <a:ln>
+                    <a:noFill/>
+                  </a:ln>
+                  <a:solidFill>
+                    <a:srgbClr val="505050"/>
+                  </a:solidFill>
+                  <a:effectLst/>
+                  <a:uLnTx/>
+                  <a:uFillTx/>
+                  <a:latin typeface="Segoe UI Semibold" panose="020B0702040204020203" pitchFamily="34" charset="0"/>
+                  <a:ea typeface="+mn-ea"/>
+                  <a:cs typeface="Segoe UI Semibold" panose="020B0702040204020203" pitchFamily="34" charset="0"/>
+                </a:rPr>
+                <a:t>AKV</a:t>
+              </a:r>
+            </a:p>
+          </p:txBody>
+        </p:sp>
+      </p:grpSp>
+      <p:grpSp>
+        <p:nvGrpSpPr>
+          <p:cNvPr id="78" name="Group 77">
+            <a:extLst>
+              <a:ext uri="{FF2B5EF4-FFF2-40B4-BE49-F238E27FC236}">
+                <a16:creationId xmlns:a16="http://schemas.microsoft.com/office/drawing/2014/main" id="{671C5504-A94A-4C5B-B73B-1D51B56990CA}"/>
+              </a:ext>
+            </a:extLst>
+          </p:cNvPr>
+          <p:cNvGrpSpPr/>
+          <p:nvPr/>
+        </p:nvGrpSpPr>
+        <p:grpSpPr>
+          <a:xfrm>
+            <a:off x="2728462" y="2149145"/>
+            <a:ext cx="1165956" cy="1034206"/>
+            <a:chOff x="1937217" y="3317591"/>
+            <a:chExt cx="1165956" cy="1034206"/>
+          </a:xfrm>
+        </p:grpSpPr>
+        <p:sp>
+          <p:nvSpPr>
+            <p:cNvPr id="79" name="Rectangle 78">
+              <a:extLst>
+                <a:ext uri="{FF2B5EF4-FFF2-40B4-BE49-F238E27FC236}">
+                  <a16:creationId xmlns:a16="http://schemas.microsoft.com/office/drawing/2014/main" id="{95B63540-AA98-4E1E-A39A-2071D4FEBAD2}"/>
+                </a:ext>
+              </a:extLst>
+            </p:cNvPr>
+            <p:cNvSpPr/>
+            <p:nvPr/>
+          </p:nvSpPr>
+          <p:spPr>
+            <a:xfrm>
+              <a:off x="1937217" y="4097881"/>
+              <a:ext cx="1165956" cy="253916"/>
+            </a:xfrm>
+            <a:prstGeom prst="rect">
+              <a:avLst/>
+            </a:prstGeom>
+          </p:spPr>
+          <p:txBody>
+            <a:bodyPr wrap="square">
+              <a:spAutoFit/>
+            </a:bodyPr>
+            <a:lstStyle/>
+            <a:p>
+              <a:pPr marL="0" marR="0" lvl="0" indent="0" algn="ctr" defTabSz="914192" rtl="0" eaLnBrk="1" fontAlgn="auto" latinLnBrk="0" hangingPunct="1">
+                <a:lnSpc>
+                  <a:spcPct val="100000"/>
+                </a:lnSpc>
+                <a:spcBef>
+                  <a:spcPts val="0"/>
+                </a:spcBef>
+                <a:spcAft>
+                  <a:spcPts val="0"/>
+                </a:spcAft>
+                <a:buClrTx/>
+                <a:buSzTx/>
+                <a:buFontTx/>
+                <a:buNone/>
+                <a:tabLst/>
+                <a:defRPr/>
+              </a:pPr>
+              <a:r>
+                <a:rPr kumimoji="0" lang="en-US" sz="1050" b="0" i="0" u="none" strike="noStrike" kern="0" cap="none" spc="0" normalizeH="0" baseline="0" noProof="0" dirty="0">
+                  <a:ln>
+                    <a:noFill/>
+                  </a:ln>
+                  <a:solidFill>
+                    <a:srgbClr val="505050"/>
+                  </a:solidFill>
+                  <a:effectLst/>
+                  <a:uLnTx/>
+                  <a:uFillTx/>
+                  <a:latin typeface="Segoe UI Semibold" panose="020B0702040204020203" pitchFamily="34" charset="0"/>
+                  <a:ea typeface="MS PGothic" panose="020B0600070205080204" pitchFamily="34" charset="-128"/>
+                  <a:cs typeface="Segoe UI Semibold" panose="020B0702040204020203" pitchFamily="34" charset="0"/>
+                </a:rPr>
+                <a:t>Data Factory</a:t>
+              </a:r>
+            </a:p>
+          </p:txBody>
+        </p:sp>
+        <p:pic>
+          <p:nvPicPr>
+            <p:cNvPr id="80" name="Picture 79">
+              <a:extLst>
+                <a:ext uri="{FF2B5EF4-FFF2-40B4-BE49-F238E27FC236}">
+                  <a16:creationId xmlns:a16="http://schemas.microsoft.com/office/drawing/2014/main" id="{5D435B0C-09D0-4BE5-98EF-1FFBC7A64091}"/>
+                </a:ext>
+              </a:extLst>
+            </p:cNvPr>
+            <p:cNvPicPr>
+              <a:picLocks noChangeAspect="1"/>
+            </p:cNvPicPr>
+            <p:nvPr/>
+          </p:nvPicPr>
+          <p:blipFill>
+            <a:blip r:embed="rId3">
+              <a:duotone>
+                <a:schemeClr val="bg2">
+                  <a:shade val="45000"/>
+                  <a:satMod val="135000"/>
+                </a:schemeClr>
+                <a:prstClr val="white"/>
+              </a:duotone>
+              <a:extLst>
+                <a:ext uri="{28A0092B-C50C-407E-A947-70E740481C1C}">
+                  <a14:useLocalDpi xmlns:a14="http://schemas.microsoft.com/office/drawing/2010/main" val="0"/>
+                </a:ext>
+              </a:extLst>
+            </a:blip>
+            <a:stretch>
+              <a:fillRect/>
+            </a:stretch>
+          </p:blipFill>
+          <p:spPr>
+            <a:xfrm>
+              <a:off x="2130050" y="3317591"/>
+              <a:ext cx="780290" cy="780290"/>
+            </a:xfrm>
+            <a:prstGeom prst="rect">
+              <a:avLst/>
+            </a:prstGeom>
+          </p:spPr>
+        </p:pic>
+      </p:grpSp>
+      <p:sp>
+        <p:nvSpPr>
+          <p:cNvPr id="82" name="Rectangle 81">
+            <a:extLst>
+              <a:ext uri="{FF2B5EF4-FFF2-40B4-BE49-F238E27FC236}">
+                <a16:creationId xmlns:a16="http://schemas.microsoft.com/office/drawing/2014/main" id="{3F655541-F33C-42E7-BA93-CB6BB46C27BA}"/>
+              </a:ext>
+            </a:extLst>
+          </p:cNvPr>
+          <p:cNvSpPr/>
+          <p:nvPr/>
+        </p:nvSpPr>
+        <p:spPr bwMode="auto">
+          <a:xfrm>
+            <a:off x="2008282" y="5413528"/>
+            <a:ext cx="8175437" cy="1262952"/>
+          </a:xfrm>
+          <a:prstGeom prst="rect">
+            <a:avLst/>
+          </a:prstGeom>
+          <a:noFill/>
+          <a:ln w="12700">
+            <a:solidFill>
+              <a:schemeClr val="tx2"/>
+            </a:solidFill>
+            <a:headEnd type="none" w="med" len="med"/>
+            <a:tailEnd type="none" w="med" len="med"/>
+          </a:ln>
+          <a:effectLst/>
+        </p:spPr>
+        <p:style>
+          <a:lnRef idx="1">
+            <a:schemeClr val="accent2"/>
+          </a:lnRef>
+          <a:fillRef idx="3">
+            <a:schemeClr val="accent2"/>
+          </a:fillRef>
+          <a:effectRef idx="2">
+            <a:schemeClr val="accent2"/>
+          </a:effectRef>
+          <a:fontRef idx="minor">
+            <a:schemeClr val="lt1"/>
+          </a:fontRef>
+        </p:style>
+        <p:txBody>
+          <a:bodyPr rot="0" spcFirstLastPara="0" vertOverflow="overflow" horzOverflow="overflow" vert="horz" wrap="square" lIns="182880" tIns="146304" rIns="182880" bIns="146304" numCol="1" spcCol="0" rtlCol="0" fromWordArt="0" anchor="t" anchorCtr="0" forceAA="0" compatLnSpc="1">
+            <a:prstTxWarp prst="textNoShape">
+              <a:avLst/>
+            </a:prstTxWarp>
+            <a:noAutofit/>
+          </a:bodyPr>
+          <a:lstStyle/>
+          <a:p>
+            <a:pPr marL="0" marR="0" lvl="0" indent="0" algn="ctr" defTabSz="932472" rtl="0" eaLnBrk="1" fontAlgn="base" latinLnBrk="0" hangingPunct="1">
+              <a:lnSpc>
+                <a:spcPct val="90000"/>
+              </a:lnSpc>
+              <a:spcBef>
+                <a:spcPct val="0"/>
+              </a:spcBef>
+              <a:spcAft>
+                <a:spcPct val="0"/>
+              </a:spcAft>
+              <a:buClrTx/>
+              <a:buSzTx/>
+              <a:buFontTx/>
+              <a:buNone/>
+              <a:tabLst/>
+              <a:defRPr/>
+            </a:pPr>
+            <a:endParaRPr kumimoji="0" lang="en-US" sz="2400" b="0" i="0" u="none" strike="noStrike" kern="1200" cap="none" spc="0" normalizeH="0" baseline="0" noProof="0" dirty="0">
+              <a:ln>
+                <a:noFill/>
+              </a:ln>
+              <a:gradFill>
+                <a:gsLst>
+                  <a:gs pos="0">
+                    <a:srgbClr val="FFFFFF"/>
+                  </a:gs>
+                  <a:gs pos="100000">
+                    <a:srgbClr val="FFFFFF"/>
+                  </a:gs>
+                </a:gsLst>
+                <a:lin ang="5400000" scaled="0"/>
+              </a:gradFill>
+              <a:effectLst/>
+              <a:uLnTx/>
+              <a:uFillTx/>
+              <a:latin typeface="Segoe UI"/>
+              <a:ea typeface="Segoe UI" pitchFamily="34" charset="0"/>
+              <a:cs typeface="Segoe UI" pitchFamily="34" charset="0"/>
+            </a:endParaRPr>
+          </a:p>
+        </p:txBody>
+      </p:sp>
+      <p:sp>
+        <p:nvSpPr>
+          <p:cNvPr id="83" name="Rectangle 82">
+            <a:extLst>
+              <a:ext uri="{FF2B5EF4-FFF2-40B4-BE49-F238E27FC236}">
+                <a16:creationId xmlns:a16="http://schemas.microsoft.com/office/drawing/2014/main" id="{775D8CAD-51EB-4073-A7F5-14F3EED21853}"/>
+              </a:ext>
+            </a:extLst>
+          </p:cNvPr>
+          <p:cNvSpPr/>
+          <p:nvPr/>
+        </p:nvSpPr>
+        <p:spPr bwMode="auto">
+          <a:xfrm>
+            <a:off x="10335242" y="1514811"/>
+            <a:ext cx="1432897" cy="307777"/>
+          </a:xfrm>
+          <a:prstGeom prst="rect">
+            <a:avLst/>
+          </a:prstGeom>
+          <a:noFill/>
+          <a:ln w="3175">
+            <a:noFill/>
+          </a:ln>
+        </p:spPr>
+        <p:style>
+          <a:lnRef idx="0">
+            <a:scrgbClr r="0" g="0" b="0"/>
+          </a:lnRef>
+          <a:fillRef idx="0">
+            <a:scrgbClr r="0" g="0" b="0"/>
+          </a:fillRef>
+          <a:effectRef idx="0">
+            <a:scrgbClr r="0" g="0" b="0"/>
+          </a:effectRef>
+          <a:fontRef idx="minor">
+            <a:schemeClr val="lt1"/>
+          </a:fontRef>
+        </p:style>
+        <p:txBody>
+          <a:bodyPr spcFirstLastPara="0" vert="horz" wrap="square" lIns="91440" tIns="45720" rIns="91440" bIns="45720" numCol="1" spcCol="1270" anchor="t" anchorCtr="0">
+            <a:spAutoFit/>
+          </a:bodyPr>
+          <a:lstStyle/>
+          <a:p>
+            <a:pPr marL="0" marR="0" lvl="0" indent="0" algn="ctr" defTabSz="710593" rtl="0" eaLnBrk="1" fontAlgn="auto" latinLnBrk="0" hangingPunct="1">
+              <a:lnSpc>
+                <a:spcPct val="100000"/>
+              </a:lnSpc>
+              <a:spcBef>
+                <a:spcPct val="0"/>
+              </a:spcBef>
+              <a:spcAft>
+                <a:spcPct val="35000"/>
+              </a:spcAft>
+              <a:buClrTx/>
+              <a:buSzTx/>
+              <a:buFontTx/>
+              <a:buNone/>
+              <a:tabLst/>
+              <a:defRPr/>
+            </a:pPr>
+            <a:r>
+              <a:rPr kumimoji="0" lang="en-US" sz="1400" b="0" i="0" u="none" strike="noStrike" kern="0" cap="none" spc="0" normalizeH="0" baseline="0" noProof="0" dirty="0">
+                <a:ln>
+                  <a:noFill/>
+                </a:ln>
+                <a:solidFill>
+                  <a:srgbClr val="0078D7"/>
+                </a:solidFill>
+                <a:effectLst/>
+                <a:uLnTx/>
+                <a:uFillTx/>
+                <a:latin typeface="Segoe UI Semibold" panose="020B0702040204020203" pitchFamily="34" charset="0"/>
+                <a:ea typeface="+mn-ea"/>
+                <a:cs typeface="Segoe UI Semibold" panose="020B0702040204020203" pitchFamily="34" charset="0"/>
+              </a:rPr>
+              <a:t>Intelligence</a:t>
+            </a:r>
+          </a:p>
+        </p:txBody>
+      </p:sp>
+      <p:cxnSp>
+        <p:nvCxnSpPr>
+          <p:cNvPr id="88" name="Straight Arrow Connector 87">
+            <a:extLst>
+              <a:ext uri="{FF2B5EF4-FFF2-40B4-BE49-F238E27FC236}">
+                <a16:creationId xmlns:a16="http://schemas.microsoft.com/office/drawing/2014/main" id="{48338958-3740-4F70-94CB-49769581C83C}"/>
+              </a:ext>
+            </a:extLst>
+          </p:cNvPr>
+          <p:cNvCxnSpPr>
+            <a:endCxn id="80" idx="1"/>
+          </p:cNvCxnSpPr>
+          <p:nvPr/>
+        </p:nvCxnSpPr>
+        <p:spPr>
+          <a:xfrm flipV="1">
+            <a:off x="1689652" y="2539290"/>
+            <a:ext cx="1231643" cy="5127"/>
+          </a:xfrm>
+          <a:prstGeom prst="straightConnector1">
+            <a:avLst/>
+          </a:prstGeom>
+          <a:ln>
+            <a:headEnd type="none" w="med" len="med"/>
+            <a:tailEnd type="arrow" w="med" len="med"/>
+          </a:ln>
+        </p:spPr>
+        <p:style>
+          <a:lnRef idx="3">
+            <a:schemeClr val="accent1"/>
+          </a:lnRef>
+          <a:fillRef idx="0">
+            <a:schemeClr val="accent1"/>
+          </a:fillRef>
+          <a:effectRef idx="2">
+            <a:schemeClr val="accent1"/>
+          </a:effectRef>
+          <a:fontRef idx="minor">
+            <a:schemeClr val="tx1"/>
+          </a:fontRef>
+        </p:style>
+      </p:cxnSp>
+      <p:cxnSp>
+        <p:nvCxnSpPr>
+          <p:cNvPr id="89" name="Straight Arrow Connector 88">
+            <a:extLst>
+              <a:ext uri="{FF2B5EF4-FFF2-40B4-BE49-F238E27FC236}">
+                <a16:creationId xmlns:a16="http://schemas.microsoft.com/office/drawing/2014/main" id="{4E4B2983-18D1-4EC7-B371-0FF1ADDDE374}"/>
+              </a:ext>
+            </a:extLst>
+          </p:cNvPr>
+          <p:cNvCxnSpPr>
+            <a:cxnSpLocks/>
+          </p:cNvCxnSpPr>
+          <p:nvPr/>
+        </p:nvCxnSpPr>
+        <p:spPr>
+          <a:xfrm>
+            <a:off x="3811116" y="2539290"/>
+            <a:ext cx="822591" cy="1"/>
+          </a:xfrm>
+          <a:prstGeom prst="straightConnector1">
+            <a:avLst/>
+          </a:prstGeom>
+          <a:ln>
+            <a:headEnd type="none" w="med" len="med"/>
+            <a:tailEnd type="arrow" w="med" len="med"/>
+          </a:ln>
+        </p:spPr>
+        <p:style>
+          <a:lnRef idx="3">
+            <a:schemeClr val="accent1"/>
+          </a:lnRef>
+          <a:fillRef idx="0">
+            <a:schemeClr val="accent1"/>
+          </a:fillRef>
+          <a:effectRef idx="2">
+            <a:schemeClr val="accent1"/>
+          </a:effectRef>
+          <a:fontRef idx="minor">
+            <a:schemeClr val="tx1"/>
+          </a:fontRef>
+        </p:style>
+      </p:cxnSp>
+      <p:sp>
+        <p:nvSpPr>
+          <p:cNvPr id="34" name="Rectangle 33">
+            <a:extLst>
+              <a:ext uri="{FF2B5EF4-FFF2-40B4-BE49-F238E27FC236}">
+                <a16:creationId xmlns:a16="http://schemas.microsoft.com/office/drawing/2014/main" id="{09488E50-75A7-4018-B71F-DEE121A1849C}"/>
+              </a:ext>
+            </a:extLst>
+          </p:cNvPr>
+          <p:cNvSpPr/>
+          <p:nvPr/>
+        </p:nvSpPr>
+        <p:spPr>
+          <a:xfrm>
+            <a:off x="729181" y="2977512"/>
+            <a:ext cx="1163884" cy="253916"/>
+          </a:xfrm>
+          <a:prstGeom prst="rect">
+            <a:avLst/>
+          </a:prstGeom>
+        </p:spPr>
+        <p:txBody>
+          <a:bodyPr wrap="square">
+            <a:spAutoFit/>
+          </a:bodyPr>
+          <a:lstStyle/>
+          <a:p>
+            <a:pPr marL="0" marR="0" lvl="0" indent="0" algn="ctr" defTabSz="932597" rtl="0" eaLnBrk="1" fontAlgn="auto" latinLnBrk="0" hangingPunct="1">
+              <a:lnSpc>
+                <a:spcPct val="100000"/>
+              </a:lnSpc>
+              <a:spcBef>
+                <a:spcPts val="0"/>
+              </a:spcBef>
+              <a:spcAft>
+                <a:spcPts val="0"/>
+              </a:spcAft>
+              <a:buClrTx/>
+              <a:buSzTx/>
+              <a:buFontTx/>
+              <a:buNone/>
+              <a:tabLst/>
+              <a:defRPr/>
+            </a:pPr>
+            <a:r>
+              <a:rPr kumimoji="0" lang="en-US" sz="1050" b="0" i="0" u="none" strike="noStrike" kern="0" cap="none" spc="0" normalizeH="0" baseline="0" noProof="0" dirty="0">
+                <a:ln>
+                  <a:noFill/>
+                </a:ln>
+                <a:solidFill>
+                  <a:srgbClr val="505050"/>
+                </a:solidFill>
+                <a:effectLst/>
+                <a:uLnTx/>
+                <a:uFillTx/>
+                <a:latin typeface="Segoe UI Semibold" panose="020B0702040204020203" pitchFamily="34" charset="0"/>
+                <a:ea typeface="+mn-ea"/>
+                <a:cs typeface="Segoe UI Semibold" panose="020B0702040204020203" pitchFamily="34" charset="0"/>
+              </a:rPr>
+              <a:t>SQL Database</a:t>
+            </a:r>
+          </a:p>
+        </p:txBody>
+      </p:sp>
+      <p:pic>
+        <p:nvPicPr>
+          <p:cNvPr id="35" name="Picture 34" descr="A close up of a sign&#10;&#10;Description generated with high confidence">
+            <a:extLst>
+              <a:ext uri="{FF2B5EF4-FFF2-40B4-BE49-F238E27FC236}">
+                <a16:creationId xmlns:a16="http://schemas.microsoft.com/office/drawing/2014/main" id="{2E9C106E-5BEB-4239-9A04-D9D6764B39F9}"/>
+              </a:ext>
+            </a:extLst>
+          </p:cNvPr>
+          <p:cNvPicPr>
+            <a:picLocks noChangeAspect="1"/>
+          </p:cNvPicPr>
+          <p:nvPr/>
+        </p:nvPicPr>
+        <p:blipFill>
+          <a:blip r:embed="rId4">
+            <a:duotone>
+              <a:schemeClr val="bg2">
+                <a:shade val="45000"/>
+                <a:satMod val="135000"/>
+              </a:schemeClr>
+              <a:prstClr val="white"/>
+            </a:duotone>
+            <a:extLst>
+              <a:ext uri="{28A0092B-C50C-407E-A947-70E740481C1C}">
+                <a14:useLocalDpi xmlns:a14="http://schemas.microsoft.com/office/drawing/2010/main" val="0"/>
+              </a:ext>
+            </a:extLst>
+          </a:blip>
+          <a:stretch>
+            <a:fillRect/>
+          </a:stretch>
+        </p:blipFill>
+        <p:spPr>
+          <a:xfrm>
+            <a:off x="920978" y="2183385"/>
+            <a:ext cx="780290" cy="780290"/>
+          </a:xfrm>
+          <a:prstGeom prst="rect">
+            <a:avLst/>
+          </a:prstGeom>
+        </p:spPr>
+      </p:pic>
+      <p:sp>
+        <p:nvSpPr>
+          <p:cNvPr id="36" name="Rectangle 35">
+            <a:extLst>
+              <a:ext uri="{FF2B5EF4-FFF2-40B4-BE49-F238E27FC236}">
+                <a16:creationId xmlns:a16="http://schemas.microsoft.com/office/drawing/2014/main" id="{B73C6033-D674-447A-94C9-25B422C148A7}"/>
+              </a:ext>
+            </a:extLst>
+          </p:cNvPr>
+          <p:cNvSpPr/>
+          <p:nvPr/>
+        </p:nvSpPr>
+        <p:spPr bwMode="auto">
+          <a:xfrm>
+            <a:off x="628129" y="1514811"/>
+            <a:ext cx="1384695" cy="307777"/>
+          </a:xfrm>
+          <a:prstGeom prst="rect">
+            <a:avLst/>
+          </a:prstGeom>
+          <a:noFill/>
+          <a:ln w="3175">
+            <a:noFill/>
+          </a:ln>
+        </p:spPr>
+        <p:style>
+          <a:lnRef idx="0">
+            <a:scrgbClr r="0" g="0" b="0"/>
+          </a:lnRef>
+          <a:fillRef idx="0">
+            <a:scrgbClr r="0" g="0" b="0"/>
+          </a:fillRef>
+          <a:effectRef idx="0">
+            <a:scrgbClr r="0" g="0" b="0"/>
+          </a:effectRef>
+          <a:fontRef idx="minor">
+            <a:schemeClr val="lt1"/>
+          </a:fontRef>
+        </p:style>
+        <p:txBody>
+          <a:bodyPr spcFirstLastPara="0" vert="horz" wrap="square" lIns="91440" tIns="45720" rIns="91440" bIns="45720" numCol="1" spcCol="1270" anchor="t" anchorCtr="0">
+            <a:spAutoFit/>
+          </a:bodyPr>
+          <a:lstStyle/>
+          <a:p>
+            <a:pPr marL="0" marR="0" lvl="0" indent="0" algn="ctr" defTabSz="710593" rtl="0" eaLnBrk="1" fontAlgn="auto" latinLnBrk="0" hangingPunct="1">
+              <a:lnSpc>
+                <a:spcPct val="100000"/>
+              </a:lnSpc>
+              <a:spcBef>
+                <a:spcPct val="0"/>
+              </a:spcBef>
+              <a:spcAft>
+                <a:spcPct val="35000"/>
+              </a:spcAft>
+              <a:buClrTx/>
+              <a:buSzTx/>
+              <a:buFontTx/>
+              <a:buNone/>
+              <a:tabLst/>
+              <a:defRPr/>
+            </a:pPr>
+            <a:r>
+              <a:rPr kumimoji="0" lang="en-US" sz="1400" b="1" i="0" u="none" strike="noStrike" kern="0" cap="none" spc="0" normalizeH="0" baseline="0" noProof="0" dirty="0">
+                <a:ln>
+                  <a:noFill/>
+                </a:ln>
+                <a:solidFill>
+                  <a:schemeClr val="bg1">
+                    <a:lumMod val="50000"/>
+                  </a:schemeClr>
+                </a:solidFill>
+                <a:effectLst/>
+                <a:uLnTx/>
+                <a:uFillTx/>
+                <a:latin typeface="Segoe UI Semibold" panose="020B0702040204020203" pitchFamily="34" charset="0"/>
+                <a:ea typeface="+mn-ea"/>
+                <a:cs typeface="Segoe UI Semibold" panose="020B0702040204020203" pitchFamily="34" charset="0"/>
+              </a:rPr>
+              <a:t>Source</a:t>
+            </a:r>
+          </a:p>
+        </p:txBody>
+      </p:sp>
+      <p:pic>
+        <p:nvPicPr>
+          <p:cNvPr id="13" name="Picture 12">
+            <a:extLst>
+              <a:ext uri="{FF2B5EF4-FFF2-40B4-BE49-F238E27FC236}">
+                <a16:creationId xmlns:a16="http://schemas.microsoft.com/office/drawing/2014/main" id="{9D0E8273-3801-47DE-9C2E-4CFCF3F1D2E7}"/>
+              </a:ext>
+            </a:extLst>
+          </p:cNvPr>
+          <p:cNvPicPr>
+            <a:picLocks noChangeAspect="1"/>
+          </p:cNvPicPr>
+          <p:nvPr/>
+        </p:nvPicPr>
+        <p:blipFill>
+          <a:blip r:embed="rId5">
+            <a:duotone>
+              <a:schemeClr val="bg2">
+                <a:shade val="45000"/>
+                <a:satMod val="135000"/>
+              </a:schemeClr>
+              <a:prstClr val="white"/>
+            </a:duotone>
+            <a:extLst>
+              <a:ext uri="{28A0092B-C50C-407E-A947-70E740481C1C}">
+                <a14:useLocalDpi xmlns:a14="http://schemas.microsoft.com/office/drawing/2010/main" val="0"/>
+              </a:ext>
+            </a:extLst>
+          </a:blip>
+          <a:stretch>
+            <a:fillRect/>
+          </a:stretch>
+        </p:blipFill>
+        <p:spPr>
+          <a:xfrm>
+            <a:off x="4697357" y="2183385"/>
+            <a:ext cx="780290" cy="780290"/>
+          </a:xfrm>
+          <a:prstGeom prst="rect">
+            <a:avLst/>
+          </a:prstGeom>
+        </p:spPr>
+      </p:pic>
+      <p:grpSp>
+        <p:nvGrpSpPr>
+          <p:cNvPr id="24" name="Group 23">
+            <a:extLst>
+              <a:ext uri="{FF2B5EF4-FFF2-40B4-BE49-F238E27FC236}">
+                <a16:creationId xmlns:a16="http://schemas.microsoft.com/office/drawing/2014/main" id="{E0CC682B-3677-4916-A698-EDA446EDF5E0}"/>
+              </a:ext>
+            </a:extLst>
+          </p:cNvPr>
+          <p:cNvGrpSpPr/>
+          <p:nvPr/>
+        </p:nvGrpSpPr>
+        <p:grpSpPr>
+          <a:xfrm>
+            <a:off x="6369801" y="1948548"/>
+            <a:ext cx="1381617" cy="1249963"/>
+            <a:chOff x="5557683" y="3115204"/>
+            <a:chExt cx="1381617" cy="1249963"/>
+          </a:xfrm>
+        </p:grpSpPr>
+        <p:sp>
+          <p:nvSpPr>
+            <p:cNvPr id="25" name="Rectangle 24">
+              <a:extLst>
+                <a:ext uri="{FF2B5EF4-FFF2-40B4-BE49-F238E27FC236}">
+                  <a16:creationId xmlns:a16="http://schemas.microsoft.com/office/drawing/2014/main" id="{C993B487-6D00-440D-8139-430AC42FFB65}"/>
+                </a:ext>
+              </a:extLst>
+            </p:cNvPr>
+            <p:cNvSpPr/>
+            <p:nvPr/>
+          </p:nvSpPr>
+          <p:spPr>
+            <a:xfrm>
+              <a:off x="5557683" y="4111251"/>
+              <a:ext cx="1381617" cy="253916"/>
+            </a:xfrm>
+            <a:prstGeom prst="rect">
+              <a:avLst/>
+            </a:prstGeom>
+          </p:spPr>
+          <p:txBody>
+            <a:bodyPr wrap="square">
+              <a:spAutoFit/>
+            </a:bodyPr>
+            <a:lstStyle/>
+            <a:p>
+              <a:pPr marL="0" marR="0" lvl="0" indent="0" algn="ctr" defTabSz="914192" rtl="0" eaLnBrk="1" fontAlgn="auto" latinLnBrk="0" hangingPunct="1">
+                <a:lnSpc>
+                  <a:spcPct val="100000"/>
+                </a:lnSpc>
+                <a:spcBef>
+                  <a:spcPts val="0"/>
+                </a:spcBef>
+                <a:spcAft>
+                  <a:spcPts val="0"/>
+                </a:spcAft>
+                <a:buClrTx/>
+                <a:buSzTx/>
+                <a:buFontTx/>
+                <a:buNone/>
+                <a:tabLst/>
+                <a:defRPr/>
+              </a:pPr>
+              <a:r>
+                <a:rPr lang="en-US" sz="1050" kern="0" dirty="0">
+                  <a:solidFill>
+                    <a:srgbClr val="505050"/>
+                  </a:solidFill>
+                  <a:latin typeface="Segoe UI Semibold" panose="020B0702040204020203" pitchFamily="34" charset="0"/>
+                  <a:ea typeface="MS PGothic" panose="020B0600070205080204" pitchFamily="34" charset="-128"/>
+                  <a:cs typeface="Segoe UI Semibold" panose="020B0702040204020203" pitchFamily="34" charset="0"/>
+                </a:rPr>
+                <a:t>Databricks</a:t>
+              </a:r>
+            </a:p>
+          </p:txBody>
+        </p:sp>
+        <p:pic>
+          <p:nvPicPr>
+            <p:cNvPr id="26" name="Picture 4" descr="Image result for databricks">
+              <a:extLst>
+                <a:ext uri="{FF2B5EF4-FFF2-40B4-BE49-F238E27FC236}">
+                  <a16:creationId xmlns:a16="http://schemas.microsoft.com/office/drawing/2014/main" id="{48E3959A-699D-450A-A9CA-CC28130F38D1}"/>
+                </a:ext>
+              </a:extLst>
+            </p:cNvPr>
+            <p:cNvPicPr>
+              <a:picLocks noChangeAspect="1" noChangeArrowheads="1"/>
+            </p:cNvPicPr>
+            <p:nvPr/>
+          </p:nvPicPr>
+          <p:blipFill>
+            <a:blip r:embed="rId6">
+              <a:clrChange>
+                <a:clrFrom>
+                  <a:srgbClr val="FFFFFF"/>
+                </a:clrFrom>
+                <a:clrTo>
+                  <a:srgbClr val="FFFFFF">
+                    <a:alpha val="0"/>
+                  </a:srgbClr>
+                </a:clrTo>
+              </a:clrChange>
+              <a:duotone>
+                <a:schemeClr val="bg2">
+                  <a:shade val="45000"/>
+                  <a:satMod val="135000"/>
+                </a:schemeClr>
+                <a:prstClr val="white"/>
+              </a:duotone>
+              <a:extLst>
+                <a:ext uri="{28A0092B-C50C-407E-A947-70E740481C1C}">
+                  <a14:useLocalDpi xmlns:a14="http://schemas.microsoft.com/office/drawing/2010/main" val="0"/>
+                </a:ext>
+              </a:extLst>
+            </a:blip>
+            <a:srcRect/>
+            <a:stretch>
+              <a:fillRect/>
+            </a:stretch>
+          </p:blipFill>
+          <p:spPr bwMode="auto">
+            <a:xfrm>
+              <a:off x="5657057" y="3115204"/>
+              <a:ext cx="1182868" cy="1182868"/>
+            </a:xfrm>
+            <a:prstGeom prst="rect">
+              <a:avLst/>
+            </a:prstGeom>
+            <a:noFill/>
+            <a:extLst>
+              <a:ext uri="{909E8E84-426E-40DD-AFC4-6F175D3DCCD1}">
+                <a14:hiddenFill xmlns:a14="http://schemas.microsoft.com/office/drawing/2010/main">
+                  <a:solidFill>
+                    <a:srgbClr val="FFFFFF"/>
+                  </a:solidFill>
+                </a14:hiddenFill>
+              </a:ext>
+            </a:extLst>
+          </p:spPr>
+        </p:pic>
+      </p:grpSp>
+      <p:cxnSp>
+        <p:nvCxnSpPr>
+          <p:cNvPr id="27" name="Straight Arrow Connector 26">
+            <a:extLst>
+              <a:ext uri="{FF2B5EF4-FFF2-40B4-BE49-F238E27FC236}">
+                <a16:creationId xmlns:a16="http://schemas.microsoft.com/office/drawing/2014/main" id="{117E5565-3833-48B8-BFD8-18B61E121CA7}"/>
+              </a:ext>
+            </a:extLst>
+          </p:cNvPr>
+          <p:cNvCxnSpPr>
+            <a:cxnSpLocks/>
+          </p:cNvCxnSpPr>
+          <p:nvPr/>
+        </p:nvCxnSpPr>
+        <p:spPr>
+          <a:xfrm>
+            <a:off x="5495061" y="2539290"/>
+            <a:ext cx="822591" cy="1"/>
+          </a:xfrm>
+          <a:prstGeom prst="straightConnector1">
+            <a:avLst/>
+          </a:prstGeom>
+          <a:ln>
+            <a:headEnd type="none" w="med" len="med"/>
+            <a:tailEnd type="arrow" w="med" len="med"/>
+          </a:ln>
+        </p:spPr>
+        <p:style>
+          <a:lnRef idx="3">
+            <a:schemeClr val="accent1"/>
+          </a:lnRef>
+          <a:fillRef idx="0">
+            <a:schemeClr val="accent1"/>
+          </a:fillRef>
+          <a:effectRef idx="2">
+            <a:schemeClr val="accent1"/>
+          </a:effectRef>
+          <a:fontRef idx="minor">
+            <a:schemeClr val="tx1"/>
+          </a:fontRef>
+        </p:style>
+      </p:cxnSp>
+      <p:sp>
+        <p:nvSpPr>
+          <p:cNvPr id="28" name="Rectangle 27">
+            <a:extLst>
+              <a:ext uri="{FF2B5EF4-FFF2-40B4-BE49-F238E27FC236}">
+                <a16:creationId xmlns:a16="http://schemas.microsoft.com/office/drawing/2014/main" id="{AA10FC8F-7D51-4ABF-9A5A-D5E3891947D5}"/>
+              </a:ext>
+            </a:extLst>
+          </p:cNvPr>
+          <p:cNvSpPr/>
+          <p:nvPr/>
+        </p:nvSpPr>
+        <p:spPr>
+          <a:xfrm>
+            <a:off x="8461821" y="2943619"/>
+            <a:ext cx="1280272" cy="253916"/>
+          </a:xfrm>
+          <a:prstGeom prst="rect">
+            <a:avLst/>
+          </a:prstGeom>
+        </p:spPr>
+        <p:txBody>
+          <a:bodyPr wrap="square">
+            <a:spAutoFit/>
+          </a:bodyPr>
+          <a:lstStyle/>
+          <a:p>
+            <a:pPr marL="0" marR="0" lvl="0" indent="0" algn="ctr" defTabSz="932597" rtl="0" eaLnBrk="1" fontAlgn="auto" latinLnBrk="0" hangingPunct="1">
+              <a:lnSpc>
+                <a:spcPct val="100000"/>
+              </a:lnSpc>
+              <a:spcBef>
+                <a:spcPts val="0"/>
+              </a:spcBef>
+              <a:spcAft>
+                <a:spcPts val="0"/>
+              </a:spcAft>
+              <a:buClrTx/>
+              <a:buSzTx/>
+              <a:buFontTx/>
+              <a:buNone/>
+              <a:tabLst/>
+              <a:defRPr/>
+            </a:pPr>
+            <a:r>
+              <a:rPr kumimoji="0" lang="en-US" sz="1050" b="0" i="0" u="none" strike="noStrike" kern="0" cap="none" spc="0" normalizeH="0" baseline="0" noProof="0" dirty="0">
+                <a:ln>
+                  <a:noFill/>
+                </a:ln>
+                <a:solidFill>
+                  <a:srgbClr val="505050"/>
+                </a:solidFill>
+                <a:effectLst/>
+                <a:uLnTx/>
+                <a:uFillTx/>
+                <a:latin typeface="Segoe UI Semibold" panose="020B0702040204020203" pitchFamily="34" charset="0"/>
+                <a:ea typeface="+mn-ea"/>
+                <a:cs typeface="Segoe UI Semibold" panose="020B0702040204020203" pitchFamily="34" charset="0"/>
+              </a:rPr>
+              <a:t>Azure ML Service</a:t>
+            </a:r>
+          </a:p>
+        </p:txBody>
+      </p:sp>
+      <p:pic>
+        <p:nvPicPr>
+          <p:cNvPr id="29" name="Picture 28">
+            <a:extLst>
+              <a:ext uri="{FF2B5EF4-FFF2-40B4-BE49-F238E27FC236}">
+                <a16:creationId xmlns:a16="http://schemas.microsoft.com/office/drawing/2014/main" id="{DAB858BE-E093-4A0F-9D3F-0D0B3C598477}"/>
+              </a:ext>
+            </a:extLst>
+          </p:cNvPr>
+          <p:cNvPicPr>
+            <a:picLocks noChangeAspect="1"/>
+          </p:cNvPicPr>
+          <p:nvPr/>
+        </p:nvPicPr>
+        <p:blipFill>
+          <a:blip r:embed="rId7">
+            <a:extLst>
+              <a:ext uri="{28A0092B-C50C-407E-A947-70E740481C1C}">
+                <a14:useLocalDpi xmlns:a14="http://schemas.microsoft.com/office/drawing/2010/main" val="0"/>
+              </a:ext>
+            </a:extLst>
+          </a:blip>
+          <a:stretch>
+            <a:fillRect/>
+          </a:stretch>
+        </p:blipFill>
+        <p:spPr>
+          <a:xfrm>
+            <a:off x="8756950" y="2069525"/>
+            <a:ext cx="780290" cy="780290"/>
+          </a:xfrm>
+          <a:prstGeom prst="rect">
+            <a:avLst/>
+          </a:prstGeom>
+        </p:spPr>
+      </p:pic>
+    </p:spTree>
+    <p:extLst>
+      <p:ext uri="{BB962C8B-B14F-4D97-AF65-F5344CB8AC3E}">
+        <p14:creationId xmlns:p14="http://schemas.microsoft.com/office/powerpoint/2010/main" val="568931706"/>
+      </p:ext>
+    </p:extLst>
+  </p:cSld>
+  <p:clrMapOvr>
+    <a:masterClrMapping/>
+  </p:clrMapOvr>
+</p:sld>
+</file>
+
+<file path=ppt/slides/slide7.xml><?xml version="1.0" encoding="utf-8"?>
+<p:sld xmlns:a="http://schemas.openxmlformats.org/drawingml/2006/main" xmlns:r="http://schemas.openxmlformats.org/officeDocument/2006/relationships" xmlns:p="http://schemas.openxmlformats.org/presentationml/2006/main">
+  <p:cSld>
+    <p:spTree>
+      <p:nvGrpSpPr>
+        <p:cNvPr id="1" name=""/>
+        <p:cNvGrpSpPr/>
+        <p:nvPr/>
+      </p:nvGrpSpPr>
+      <p:grpSpPr>
+        <a:xfrm>
+          <a:off x="0" y="0"/>
+          <a:ext cx="0" cy="0"/>
+          <a:chOff x="0" y="0"/>
+          <a:chExt cx="0" cy="0"/>
+        </a:xfrm>
+      </p:grpSpPr>
+      <p:sp>
+        <p:nvSpPr>
+          <p:cNvPr id="2" name="Title 1">
+            <a:extLst>
+              <a:ext uri="{FF2B5EF4-FFF2-40B4-BE49-F238E27FC236}">
                 <a16:creationId xmlns:a16="http://schemas.microsoft.com/office/drawing/2014/main" id="{A09C3E10-4C49-4C06-81FD-2A1DAB42F7FD}"/>
               </a:ext>
             </a:extLst>
@@ -18896,7 +22078,7 @@
 </p:sld>
 </file>
 
-<file path=ppt/slides/slide7.xml><?xml version="1.0" encoding="utf-8"?>
+<file path=ppt/slides/slide8.xml><?xml version="1.0" encoding="utf-8"?>
 <p:sld xmlns:a="http://schemas.openxmlformats.org/drawingml/2006/main" xmlns:r="http://schemas.openxmlformats.org/officeDocument/2006/relationships" xmlns:p="http://schemas.openxmlformats.org/presentationml/2006/main">
   <p:cSld>
     <p:spTree>
@@ -19909,7 +23091,7 @@
 </p:sld>
 </file>
 
-<file path=ppt/slides/slide8.xml><?xml version="1.0" encoding="utf-8"?>
+<file path=ppt/slides/slide9.xml><?xml version="1.0" encoding="utf-8"?>
 <p:sld xmlns:a="http://schemas.openxmlformats.org/drawingml/2006/main" xmlns:r="http://schemas.openxmlformats.org/officeDocument/2006/relationships" xmlns:p="http://schemas.openxmlformats.org/presentationml/2006/main">
   <p:cSld>
     <p:spTree>
@@ -21325,1578 +24507,6 @@
     <p:extLst>
       <p:ext uri="{BB962C8B-B14F-4D97-AF65-F5344CB8AC3E}">
         <p14:creationId xmlns:p14="http://schemas.microsoft.com/office/powerpoint/2010/main" val="3752398427"/>
-      </p:ext>
-    </p:extLst>
-  </p:cSld>
-  <p:clrMapOvr>
-    <a:masterClrMapping/>
-  </p:clrMapOvr>
-</p:sld>
-</file>
-
-<file path=ppt/slides/slide9.xml><?xml version="1.0" encoding="utf-8"?>
-<p:sld xmlns:a="http://schemas.openxmlformats.org/drawingml/2006/main" xmlns:r="http://schemas.openxmlformats.org/officeDocument/2006/relationships" xmlns:p="http://schemas.openxmlformats.org/presentationml/2006/main">
-  <p:cSld>
-    <p:spTree>
-      <p:nvGrpSpPr>
-        <p:cNvPr id="1" name=""/>
-        <p:cNvGrpSpPr/>
-        <p:nvPr/>
-      </p:nvGrpSpPr>
-      <p:grpSpPr>
-        <a:xfrm>
-          <a:off x="0" y="0"/>
-          <a:ext cx="0" cy="0"/>
-          <a:chOff x="0" y="0"/>
-          <a:chExt cx="0" cy="0"/>
-        </a:xfrm>
-      </p:grpSpPr>
-      <p:sp>
-        <p:nvSpPr>
-          <p:cNvPr id="2" name="Title 1">
-            <a:extLst>
-              <a:ext uri="{FF2B5EF4-FFF2-40B4-BE49-F238E27FC236}">
-                <a16:creationId xmlns:a16="http://schemas.microsoft.com/office/drawing/2014/main" id="{7E6864B7-B9ED-45D6-A873-DDB744ACF81E}"/>
-              </a:ext>
-            </a:extLst>
-          </p:cNvPr>
-          <p:cNvSpPr>
-            <a:spLocks noGrp="1"/>
-          </p:cNvSpPr>
-          <p:nvPr>
-            <p:ph type="title"/>
-          </p:nvPr>
-        </p:nvSpPr>
-        <p:spPr/>
-        <p:txBody>
-          <a:bodyPr/>
-          <a:lstStyle/>
-          <a:p>
-            <a:r>
-              <a:rPr lang="en-US" dirty="0"/>
-              <a:t>3. Modeling</a:t>
-            </a:r>
-          </a:p>
-        </p:txBody>
-      </p:sp>
-      <p:sp>
-        <p:nvSpPr>
-          <p:cNvPr id="4" name="Text Placeholder 3">
-            <a:extLst>
-              <a:ext uri="{FF2B5EF4-FFF2-40B4-BE49-F238E27FC236}">
-                <a16:creationId xmlns:a16="http://schemas.microsoft.com/office/drawing/2014/main" id="{8DAF8164-DD11-49AF-BFA6-FF825CF3F344}"/>
-              </a:ext>
-            </a:extLst>
-          </p:cNvPr>
-          <p:cNvSpPr>
-            <a:spLocks noGrp="1"/>
-          </p:cNvSpPr>
-          <p:nvPr>
-            <p:ph type="body" sz="quarter" idx="10"/>
-          </p:nvPr>
-        </p:nvSpPr>
-        <p:spPr/>
-        <p:txBody>
-          <a:bodyPr/>
-          <a:lstStyle/>
-          <a:p>
-            <a:endParaRPr lang="en-US" dirty="0"/>
-          </a:p>
-        </p:txBody>
-      </p:sp>
-      <p:sp>
-        <p:nvSpPr>
-          <p:cNvPr id="5" name="TextBox 4">
-            <a:extLst>
-              <a:ext uri="{FF2B5EF4-FFF2-40B4-BE49-F238E27FC236}">
-                <a16:creationId xmlns:a16="http://schemas.microsoft.com/office/drawing/2014/main" id="{C33D6CFF-D54F-40DD-B902-39F31ECC4978}"/>
-              </a:ext>
-            </a:extLst>
-          </p:cNvPr>
-          <p:cNvSpPr txBox="1"/>
-          <p:nvPr/>
-        </p:nvSpPr>
-        <p:spPr>
-          <a:xfrm>
-            <a:off x="666841" y="2999758"/>
-            <a:ext cx="967418" cy="253916"/>
-          </a:xfrm>
-          <a:prstGeom prst="rect">
-            <a:avLst/>
-          </a:prstGeom>
-          <a:noFill/>
-        </p:spPr>
-        <p:txBody>
-          <a:bodyPr wrap="square" lIns="91440" tIns="45720" rIns="91440" bIns="45720" rtlCol="0">
-            <a:spAutoFit/>
-          </a:bodyPr>
-          <a:lstStyle/>
-          <a:p>
-            <a:pPr marL="0" marR="0" lvl="0" indent="0" algn="ctr" defTabSz="932597" rtl="0" eaLnBrk="1" fontAlgn="auto" latinLnBrk="0" hangingPunct="1">
-              <a:lnSpc>
-                <a:spcPct val="100000"/>
-              </a:lnSpc>
-              <a:spcBef>
-                <a:spcPts val="0"/>
-              </a:spcBef>
-              <a:spcAft>
-                <a:spcPts val="0"/>
-              </a:spcAft>
-              <a:buClrTx/>
-              <a:buSzTx/>
-              <a:buFontTx/>
-              <a:buNone/>
-              <a:tabLst/>
-              <a:defRPr/>
-            </a:pPr>
-            <a:r>
-              <a:rPr kumimoji="0" lang="en-US" sz="1050" b="0" i="0" u="none" strike="noStrike" kern="0" cap="none" spc="0" normalizeH="0" baseline="0" noProof="0" dirty="0">
-                <a:ln>
-                  <a:noFill/>
-                </a:ln>
-                <a:solidFill>
-                  <a:srgbClr val="505050"/>
-                </a:solidFill>
-                <a:effectLst/>
-                <a:uLnTx/>
-                <a:uFillTx/>
-                <a:latin typeface="Segoe UI Semibold" panose="020B0702040204020203" pitchFamily="34" charset="0"/>
-                <a:ea typeface="+mn-ea"/>
-                <a:cs typeface="Segoe UI Semibold" panose="020B0702040204020203" pitchFamily="34" charset="0"/>
-              </a:rPr>
-              <a:t>Web Service</a:t>
-            </a:r>
-          </a:p>
-        </p:txBody>
-      </p:sp>
-      <p:pic>
-        <p:nvPicPr>
-          <p:cNvPr id="6" name="Content Placeholder 11">
-            <a:extLst>
-              <a:ext uri="{FF2B5EF4-FFF2-40B4-BE49-F238E27FC236}">
-                <a16:creationId xmlns:a16="http://schemas.microsoft.com/office/drawing/2014/main" id="{2B63D477-274D-4E99-B43D-EA3D299B5E5C}"/>
-              </a:ext>
-            </a:extLst>
-          </p:cNvPr>
-          <p:cNvPicPr>
-            <a:picLocks noChangeAspect="1"/>
-          </p:cNvPicPr>
-          <p:nvPr/>
-        </p:nvPicPr>
-        <p:blipFill>
-          <a:blip r:embed="rId2">
-            <a:extLst>
-              <a:ext uri="{28A0092B-C50C-407E-A947-70E740481C1C}">
-                <a14:useLocalDpi xmlns:a14="http://schemas.microsoft.com/office/drawing/2010/main" val="0"/>
-              </a:ext>
-            </a:extLst>
-          </a:blip>
-          <a:stretch>
-            <a:fillRect/>
-          </a:stretch>
-        </p:blipFill>
-        <p:spPr>
-          <a:xfrm>
-            <a:off x="760405" y="2125839"/>
-            <a:ext cx="780290" cy="780290"/>
-          </a:xfrm>
-          <a:prstGeom prst="rect">
-            <a:avLst/>
-          </a:prstGeom>
-        </p:spPr>
-      </p:pic>
-      <p:sp>
-        <p:nvSpPr>
-          <p:cNvPr id="7" name="Rectangle 6">
-            <a:extLst>
-              <a:ext uri="{FF2B5EF4-FFF2-40B4-BE49-F238E27FC236}">
-                <a16:creationId xmlns:a16="http://schemas.microsoft.com/office/drawing/2014/main" id="{46792465-1762-4B87-9201-72E270347F72}"/>
-              </a:ext>
-            </a:extLst>
-          </p:cNvPr>
-          <p:cNvSpPr/>
-          <p:nvPr/>
-        </p:nvSpPr>
-        <p:spPr bwMode="auto">
-          <a:xfrm>
-            <a:off x="2008282" y="1312066"/>
-            <a:ext cx="8175437" cy="4023555"/>
-          </a:xfrm>
-          <a:prstGeom prst="rect">
-            <a:avLst/>
-          </a:prstGeom>
-          <a:noFill/>
-          <a:ln w="12700">
-            <a:solidFill>
-              <a:schemeClr val="tx2"/>
-            </a:solidFill>
-            <a:headEnd type="none" w="med" len="med"/>
-            <a:tailEnd type="none" w="med" len="med"/>
-          </a:ln>
-          <a:effectLst/>
-        </p:spPr>
-        <p:style>
-          <a:lnRef idx="1">
-            <a:schemeClr val="accent2"/>
-          </a:lnRef>
-          <a:fillRef idx="3">
-            <a:schemeClr val="accent2"/>
-          </a:fillRef>
-          <a:effectRef idx="2">
-            <a:schemeClr val="accent2"/>
-          </a:effectRef>
-          <a:fontRef idx="minor">
-            <a:schemeClr val="lt1"/>
-          </a:fontRef>
-        </p:style>
-        <p:txBody>
-          <a:bodyPr rot="0" spcFirstLastPara="0" vertOverflow="overflow" horzOverflow="overflow" vert="horz" wrap="square" lIns="182880" tIns="146304" rIns="182880" bIns="146304" numCol="1" spcCol="0" rtlCol="0" fromWordArt="0" anchor="t" anchorCtr="0" forceAA="0" compatLnSpc="1">
-            <a:prstTxWarp prst="textNoShape">
-              <a:avLst/>
-            </a:prstTxWarp>
-            <a:noAutofit/>
-          </a:bodyPr>
-          <a:lstStyle/>
-          <a:p>
-            <a:pPr marL="0" marR="0" lvl="0" indent="0" algn="ctr" defTabSz="932472" rtl="0" eaLnBrk="1" fontAlgn="base" latinLnBrk="0" hangingPunct="1">
-              <a:lnSpc>
-                <a:spcPct val="90000"/>
-              </a:lnSpc>
-              <a:spcBef>
-                <a:spcPct val="0"/>
-              </a:spcBef>
-              <a:spcAft>
-                <a:spcPct val="0"/>
-              </a:spcAft>
-              <a:buClrTx/>
-              <a:buSzTx/>
-              <a:buFontTx/>
-              <a:buNone/>
-              <a:tabLst/>
-              <a:defRPr/>
-            </a:pPr>
-            <a:endParaRPr kumimoji="0" lang="en-US" sz="2400" b="0" i="0" u="none" strike="noStrike" kern="1200" cap="none" spc="0" normalizeH="0" baseline="0" noProof="0" dirty="0">
-              <a:ln>
-                <a:noFill/>
-              </a:ln>
-              <a:gradFill>
-                <a:gsLst>
-                  <a:gs pos="0">
-                    <a:srgbClr val="FFFFFF"/>
-                  </a:gs>
-                  <a:gs pos="100000">
-                    <a:srgbClr val="FFFFFF"/>
-                  </a:gs>
-                </a:gsLst>
-                <a:lin ang="5400000" scaled="0"/>
-              </a:gradFill>
-              <a:effectLst/>
-              <a:uLnTx/>
-              <a:uFillTx/>
-              <a:latin typeface="Segoe UI"/>
-              <a:ea typeface="Segoe UI" pitchFamily="34" charset="0"/>
-              <a:cs typeface="Segoe UI" pitchFamily="34" charset="0"/>
-            </a:endParaRPr>
-          </a:p>
-        </p:txBody>
-      </p:sp>
-      <p:sp>
-        <p:nvSpPr>
-          <p:cNvPr id="8" name="Rectangle 7">
-            <a:extLst>
-              <a:ext uri="{FF2B5EF4-FFF2-40B4-BE49-F238E27FC236}">
-                <a16:creationId xmlns:a16="http://schemas.microsoft.com/office/drawing/2014/main" id="{F0B49246-92DB-4EB7-8C9A-A38CF27EE598}"/>
-              </a:ext>
-            </a:extLst>
-          </p:cNvPr>
-          <p:cNvSpPr/>
-          <p:nvPr/>
-        </p:nvSpPr>
-        <p:spPr bwMode="auto">
-          <a:xfrm>
-            <a:off x="8430647" y="1514811"/>
-            <a:ext cx="1432897" cy="307777"/>
-          </a:xfrm>
-          <a:prstGeom prst="rect">
-            <a:avLst/>
-          </a:prstGeom>
-          <a:noFill/>
-          <a:ln w="3175">
-            <a:noFill/>
-          </a:ln>
-        </p:spPr>
-        <p:style>
-          <a:lnRef idx="0">
-            <a:scrgbClr r="0" g="0" b="0"/>
-          </a:lnRef>
-          <a:fillRef idx="0">
-            <a:scrgbClr r="0" g="0" b="0"/>
-          </a:fillRef>
-          <a:effectRef idx="0">
-            <a:scrgbClr r="0" g="0" b="0"/>
-          </a:effectRef>
-          <a:fontRef idx="minor">
-            <a:schemeClr val="lt1"/>
-          </a:fontRef>
-        </p:style>
-        <p:txBody>
-          <a:bodyPr spcFirstLastPara="0" vert="horz" wrap="square" lIns="91440" tIns="45720" rIns="91440" bIns="45720" numCol="1" spcCol="1270" anchor="t" anchorCtr="0">
-            <a:spAutoFit/>
-          </a:bodyPr>
-          <a:lstStyle/>
-          <a:p>
-            <a:pPr marL="0" marR="0" lvl="0" indent="0" algn="ctr" defTabSz="710593" rtl="0" eaLnBrk="1" fontAlgn="auto" latinLnBrk="0" hangingPunct="1">
-              <a:lnSpc>
-                <a:spcPct val="100000"/>
-              </a:lnSpc>
-              <a:spcBef>
-                <a:spcPct val="0"/>
-              </a:spcBef>
-              <a:spcAft>
-                <a:spcPct val="35000"/>
-              </a:spcAft>
-              <a:buClrTx/>
-              <a:buSzTx/>
-              <a:buFontTx/>
-              <a:buNone/>
-              <a:tabLst/>
-              <a:defRPr/>
-            </a:pPr>
-            <a:r>
-              <a:rPr kumimoji="0" lang="en-US" sz="1400" b="0" i="0" u="none" strike="noStrike" kern="0" cap="none" spc="0" normalizeH="0" baseline="0" noProof="0" dirty="0">
-                <a:ln>
-                  <a:noFill/>
-                </a:ln>
-                <a:solidFill>
-                  <a:srgbClr val="0078D7"/>
-                </a:solidFill>
-                <a:effectLst/>
-                <a:uLnTx/>
-                <a:uFillTx/>
-                <a:latin typeface="Segoe UI Semibold" panose="020B0702040204020203" pitchFamily="34" charset="0"/>
-                <a:ea typeface="+mn-ea"/>
-                <a:cs typeface="Segoe UI Semibold" panose="020B0702040204020203" pitchFamily="34" charset="0"/>
-              </a:rPr>
-              <a:t>Model &amp; Serve</a:t>
-            </a:r>
-          </a:p>
-        </p:txBody>
-      </p:sp>
-      <p:sp>
-        <p:nvSpPr>
-          <p:cNvPr id="9" name="Rectangle 8">
-            <a:extLst>
-              <a:ext uri="{FF2B5EF4-FFF2-40B4-BE49-F238E27FC236}">
-                <a16:creationId xmlns:a16="http://schemas.microsoft.com/office/drawing/2014/main" id="{C1BB557D-4276-4752-97C2-FE2FF163BA5B}"/>
-              </a:ext>
-            </a:extLst>
-          </p:cNvPr>
-          <p:cNvSpPr/>
-          <p:nvPr/>
-        </p:nvSpPr>
-        <p:spPr bwMode="auto">
-          <a:xfrm>
-            <a:off x="6423624" y="1514811"/>
-            <a:ext cx="1377453" cy="307777"/>
-          </a:xfrm>
-          <a:prstGeom prst="rect">
-            <a:avLst/>
-          </a:prstGeom>
-          <a:noFill/>
-          <a:ln w="3175">
-            <a:noFill/>
-          </a:ln>
-        </p:spPr>
-        <p:style>
-          <a:lnRef idx="0">
-            <a:scrgbClr r="0" g="0" b="0"/>
-          </a:lnRef>
-          <a:fillRef idx="0">
-            <a:scrgbClr r="0" g="0" b="0"/>
-          </a:fillRef>
-          <a:effectRef idx="0">
-            <a:scrgbClr r="0" g="0" b="0"/>
-          </a:effectRef>
-          <a:fontRef idx="minor">
-            <a:schemeClr val="lt1"/>
-          </a:fontRef>
-        </p:style>
-        <p:txBody>
-          <a:bodyPr spcFirstLastPara="0" vert="horz" wrap="square" lIns="91440" tIns="45720" rIns="91440" bIns="45720" numCol="1" spcCol="1270" anchor="t" anchorCtr="0">
-            <a:spAutoFit/>
-          </a:bodyPr>
-          <a:lstStyle/>
-          <a:p>
-            <a:pPr marL="0" marR="0" lvl="0" indent="0" algn="ctr" defTabSz="710593" rtl="0" eaLnBrk="1" fontAlgn="auto" latinLnBrk="0" hangingPunct="1">
-              <a:lnSpc>
-                <a:spcPct val="100000"/>
-              </a:lnSpc>
-              <a:spcBef>
-                <a:spcPct val="0"/>
-              </a:spcBef>
-              <a:spcAft>
-                <a:spcPct val="35000"/>
-              </a:spcAft>
-              <a:buClrTx/>
-              <a:buSzTx/>
-              <a:buFontTx/>
-              <a:buNone/>
-              <a:tabLst/>
-              <a:defRPr/>
-            </a:pPr>
-            <a:r>
-              <a:rPr kumimoji="0" lang="en-US" sz="1400" b="0" i="0" u="none" strike="noStrike" kern="0" cap="none" spc="0" normalizeH="0" baseline="0" noProof="0" dirty="0">
-                <a:ln>
-                  <a:noFill/>
-                </a:ln>
-                <a:solidFill>
-                  <a:srgbClr val="0078D7"/>
-                </a:solidFill>
-                <a:effectLst/>
-                <a:uLnTx/>
-                <a:uFillTx/>
-                <a:latin typeface="Segoe UI Semibold" panose="020B0702040204020203" pitchFamily="34" charset="0"/>
-                <a:ea typeface="+mn-ea"/>
-                <a:cs typeface="Segoe UI Semibold" panose="020B0702040204020203" pitchFamily="34" charset="0"/>
-              </a:rPr>
-              <a:t>Prep &amp; Train</a:t>
-            </a:r>
-          </a:p>
-        </p:txBody>
-      </p:sp>
-      <p:sp>
-        <p:nvSpPr>
-          <p:cNvPr id="10" name="Rectangle 9">
-            <a:extLst>
-              <a:ext uri="{FF2B5EF4-FFF2-40B4-BE49-F238E27FC236}">
-                <a16:creationId xmlns:a16="http://schemas.microsoft.com/office/drawing/2014/main" id="{A8DC2AB6-EB08-4D00-8555-D51953A93FC6}"/>
-              </a:ext>
-            </a:extLst>
-          </p:cNvPr>
-          <p:cNvSpPr/>
-          <p:nvPr/>
-        </p:nvSpPr>
-        <p:spPr bwMode="auto">
-          <a:xfrm>
-            <a:off x="4379443" y="1514811"/>
-            <a:ext cx="1392554" cy="307777"/>
-          </a:xfrm>
-          <a:prstGeom prst="rect">
-            <a:avLst/>
-          </a:prstGeom>
-          <a:noFill/>
-          <a:ln w="3175">
-            <a:noFill/>
-          </a:ln>
-        </p:spPr>
-        <p:style>
-          <a:lnRef idx="0">
-            <a:scrgbClr r="0" g="0" b="0"/>
-          </a:lnRef>
-          <a:fillRef idx="0">
-            <a:scrgbClr r="0" g="0" b="0"/>
-          </a:fillRef>
-          <a:effectRef idx="0">
-            <a:scrgbClr r="0" g="0" b="0"/>
-          </a:effectRef>
-          <a:fontRef idx="minor">
-            <a:schemeClr val="lt1"/>
-          </a:fontRef>
-        </p:style>
-        <p:txBody>
-          <a:bodyPr spcFirstLastPara="0" vert="horz" wrap="square" lIns="91440" tIns="45720" rIns="91440" bIns="45720" numCol="1" spcCol="1270" anchor="t" anchorCtr="0">
-            <a:spAutoFit/>
-          </a:bodyPr>
-          <a:lstStyle/>
-          <a:p>
-            <a:pPr marL="0" marR="0" lvl="0" indent="0" algn="ctr" defTabSz="522599" rtl="0" eaLnBrk="1" fontAlgn="auto" latinLnBrk="0" hangingPunct="1">
-              <a:lnSpc>
-                <a:spcPct val="100000"/>
-              </a:lnSpc>
-              <a:spcBef>
-                <a:spcPct val="0"/>
-              </a:spcBef>
-              <a:spcAft>
-                <a:spcPct val="35000"/>
-              </a:spcAft>
-              <a:buClrTx/>
-              <a:buSzTx/>
-              <a:buFontTx/>
-              <a:buNone/>
-              <a:tabLst/>
-              <a:defRPr/>
-            </a:pPr>
-            <a:r>
-              <a:rPr kumimoji="0" lang="en-US" sz="1400" b="0" i="0" u="none" strike="noStrike" kern="0" cap="none" spc="0" normalizeH="0" baseline="0" noProof="0" dirty="0">
-                <a:ln>
-                  <a:noFill/>
-                </a:ln>
-                <a:solidFill>
-                  <a:srgbClr val="0078D7"/>
-                </a:solidFill>
-                <a:effectLst/>
-                <a:uLnTx/>
-                <a:uFillTx/>
-                <a:latin typeface="Segoe UI Semibold" panose="020B0702040204020203" pitchFamily="34" charset="0"/>
-                <a:ea typeface="+mn-ea"/>
-                <a:cs typeface="Segoe UI Semibold" panose="020B0702040204020203" pitchFamily="34" charset="0"/>
-              </a:rPr>
-              <a:t>Store</a:t>
-            </a:r>
-          </a:p>
-        </p:txBody>
-      </p:sp>
-      <p:sp>
-        <p:nvSpPr>
-          <p:cNvPr id="11" name="Rectangle 10">
-            <a:extLst>
-              <a:ext uri="{FF2B5EF4-FFF2-40B4-BE49-F238E27FC236}">
-                <a16:creationId xmlns:a16="http://schemas.microsoft.com/office/drawing/2014/main" id="{9CA54808-E889-4A7F-8608-35D51D92A2C2}"/>
-              </a:ext>
-            </a:extLst>
-          </p:cNvPr>
-          <p:cNvSpPr/>
-          <p:nvPr/>
-        </p:nvSpPr>
-        <p:spPr bwMode="auto">
-          <a:xfrm>
-            <a:off x="2423926" y="1514811"/>
-            <a:ext cx="1384695" cy="307777"/>
-          </a:xfrm>
-          <a:prstGeom prst="rect">
-            <a:avLst/>
-          </a:prstGeom>
-          <a:noFill/>
-          <a:ln w="3175">
-            <a:noFill/>
-          </a:ln>
-        </p:spPr>
-        <p:style>
-          <a:lnRef idx="0">
-            <a:scrgbClr r="0" g="0" b="0"/>
-          </a:lnRef>
-          <a:fillRef idx="0">
-            <a:scrgbClr r="0" g="0" b="0"/>
-          </a:fillRef>
-          <a:effectRef idx="0">
-            <a:scrgbClr r="0" g="0" b="0"/>
-          </a:effectRef>
-          <a:fontRef idx="minor">
-            <a:schemeClr val="lt1"/>
-          </a:fontRef>
-        </p:style>
-        <p:txBody>
-          <a:bodyPr spcFirstLastPara="0" vert="horz" wrap="square" lIns="91440" tIns="45720" rIns="91440" bIns="45720" numCol="1" spcCol="1270" anchor="t" anchorCtr="0">
-            <a:spAutoFit/>
-          </a:bodyPr>
-          <a:lstStyle/>
-          <a:p>
-            <a:pPr marL="0" marR="0" lvl="0" indent="0" algn="ctr" defTabSz="710593" rtl="0" eaLnBrk="1" fontAlgn="auto" latinLnBrk="0" hangingPunct="1">
-              <a:lnSpc>
-                <a:spcPct val="100000"/>
-              </a:lnSpc>
-              <a:spcBef>
-                <a:spcPct val="0"/>
-              </a:spcBef>
-              <a:spcAft>
-                <a:spcPct val="35000"/>
-              </a:spcAft>
-              <a:buClrTx/>
-              <a:buSzTx/>
-              <a:buFontTx/>
-              <a:buNone/>
-              <a:tabLst/>
-              <a:defRPr/>
-            </a:pPr>
-            <a:r>
-              <a:rPr kumimoji="0" lang="en-US" sz="1400" b="0" i="0" u="none" strike="noStrike" kern="0" cap="none" spc="0" normalizeH="0" baseline="0" noProof="0" dirty="0">
-                <a:ln>
-                  <a:noFill/>
-                </a:ln>
-                <a:solidFill>
-                  <a:srgbClr val="0078D7"/>
-                </a:solidFill>
-                <a:effectLst/>
-                <a:uLnTx/>
-                <a:uFillTx/>
-                <a:latin typeface="Segoe UI Semibold" panose="020B0702040204020203" pitchFamily="34" charset="0"/>
-                <a:ea typeface="+mn-ea"/>
-                <a:cs typeface="Segoe UI Semibold" panose="020B0702040204020203" pitchFamily="34" charset="0"/>
-              </a:rPr>
-              <a:t>Ingest</a:t>
-            </a:r>
-          </a:p>
-        </p:txBody>
-      </p:sp>
-      <p:sp>
-        <p:nvSpPr>
-          <p:cNvPr id="15" name="Rectangle 14">
-            <a:extLst>
-              <a:ext uri="{FF2B5EF4-FFF2-40B4-BE49-F238E27FC236}">
-                <a16:creationId xmlns:a16="http://schemas.microsoft.com/office/drawing/2014/main" id="{858D9D60-144C-4456-9446-3C3FDF65E793}"/>
-              </a:ext>
-            </a:extLst>
-          </p:cNvPr>
-          <p:cNvSpPr/>
-          <p:nvPr/>
-        </p:nvSpPr>
-        <p:spPr>
-          <a:xfrm>
-            <a:off x="8520015" y="2977512"/>
-            <a:ext cx="1163884" cy="253916"/>
-          </a:xfrm>
-          <a:prstGeom prst="rect">
-            <a:avLst/>
-          </a:prstGeom>
-        </p:spPr>
-        <p:txBody>
-          <a:bodyPr wrap="square">
-            <a:spAutoFit/>
-          </a:bodyPr>
-          <a:lstStyle/>
-          <a:p>
-            <a:pPr marL="0" marR="0" lvl="0" indent="0" algn="ctr" defTabSz="932597" rtl="0" eaLnBrk="1" fontAlgn="auto" latinLnBrk="0" hangingPunct="1">
-              <a:lnSpc>
-                <a:spcPct val="100000"/>
-              </a:lnSpc>
-              <a:spcBef>
-                <a:spcPts val="0"/>
-              </a:spcBef>
-              <a:spcAft>
-                <a:spcPts val="0"/>
-              </a:spcAft>
-              <a:buClrTx/>
-              <a:buSzTx/>
-              <a:buFontTx/>
-              <a:buNone/>
-              <a:tabLst/>
-              <a:defRPr/>
-            </a:pPr>
-            <a:r>
-              <a:rPr kumimoji="0" lang="en-US" sz="1050" b="0" i="0" u="none" strike="noStrike" kern="0" cap="none" spc="0" normalizeH="0" baseline="0" noProof="0" dirty="0">
-                <a:ln>
-                  <a:noFill/>
-                </a:ln>
-                <a:solidFill>
-                  <a:srgbClr val="505050"/>
-                </a:solidFill>
-                <a:effectLst/>
-                <a:uLnTx/>
-                <a:uFillTx/>
-                <a:latin typeface="Segoe UI Semibold" panose="020B0702040204020203" pitchFamily="34" charset="0"/>
-                <a:ea typeface="+mn-ea"/>
-                <a:cs typeface="Segoe UI Semibold" panose="020B0702040204020203" pitchFamily="34" charset="0"/>
-              </a:rPr>
-              <a:t>SQL Database</a:t>
-            </a:r>
-          </a:p>
-        </p:txBody>
-      </p:sp>
-      <p:grpSp>
-        <p:nvGrpSpPr>
-          <p:cNvPr id="16" name="Group 15">
-            <a:extLst>
-              <a:ext uri="{FF2B5EF4-FFF2-40B4-BE49-F238E27FC236}">
-                <a16:creationId xmlns:a16="http://schemas.microsoft.com/office/drawing/2014/main" id="{366E14E9-BEDF-4BFC-8024-D62B4B16CFD9}"/>
-              </a:ext>
-            </a:extLst>
-          </p:cNvPr>
-          <p:cNvGrpSpPr/>
-          <p:nvPr/>
-        </p:nvGrpSpPr>
-        <p:grpSpPr>
-          <a:xfrm>
-            <a:off x="4651477" y="2235826"/>
-            <a:ext cx="860592" cy="995602"/>
-            <a:chOff x="4064302" y="3325697"/>
-            <a:chExt cx="860592" cy="995602"/>
-          </a:xfrm>
-        </p:grpSpPr>
-        <p:sp>
-          <p:nvSpPr>
-            <p:cNvPr id="17" name="Rectangle 16">
-              <a:extLst>
-                <a:ext uri="{FF2B5EF4-FFF2-40B4-BE49-F238E27FC236}">
-                  <a16:creationId xmlns:a16="http://schemas.microsoft.com/office/drawing/2014/main" id="{874C20A5-30DB-42DC-A235-BAD3420A2B46}"/>
-                </a:ext>
-              </a:extLst>
-            </p:cNvPr>
-            <p:cNvSpPr/>
-            <p:nvPr/>
-          </p:nvSpPr>
-          <p:spPr>
-            <a:xfrm>
-              <a:off x="4064302" y="4067383"/>
-              <a:ext cx="860592" cy="253916"/>
-            </a:xfrm>
-            <a:prstGeom prst="rect">
-              <a:avLst/>
-            </a:prstGeom>
-          </p:spPr>
-          <p:txBody>
-            <a:bodyPr wrap="square">
-              <a:spAutoFit/>
-            </a:bodyPr>
-            <a:lstStyle/>
-            <a:p>
-              <a:pPr marL="0" marR="0" lvl="0" indent="0" algn="ctr" defTabSz="914400" rtl="0" eaLnBrk="1" fontAlgn="auto" latinLnBrk="0" hangingPunct="1">
-                <a:lnSpc>
-                  <a:spcPct val="100000"/>
-                </a:lnSpc>
-                <a:spcBef>
-                  <a:spcPts val="0"/>
-                </a:spcBef>
-                <a:spcAft>
-                  <a:spcPts val="0"/>
-                </a:spcAft>
-                <a:buClrTx/>
-                <a:buSzTx/>
-                <a:buFontTx/>
-                <a:buNone/>
-                <a:tabLst/>
-                <a:defRPr/>
-              </a:pPr>
-              <a:r>
-                <a:rPr kumimoji="0" lang="en-US" sz="1050" b="0" i="0" u="none" strike="noStrike" kern="0" cap="none" spc="0" normalizeH="0" baseline="0" noProof="0" dirty="0">
-                  <a:ln>
-                    <a:noFill/>
-                  </a:ln>
-                  <a:solidFill>
-                    <a:srgbClr val="505050"/>
-                  </a:solidFill>
-                  <a:effectLst/>
-                  <a:uLnTx/>
-                  <a:uFillTx/>
-                  <a:latin typeface="Segoe UI Semibold" panose="020B0702040204020203" pitchFamily="34" charset="0"/>
-                  <a:ea typeface="+mn-ea"/>
-                  <a:cs typeface="Segoe UI Semibold" panose="020B0702040204020203" pitchFamily="34" charset="0"/>
-                </a:rPr>
-                <a:t>Blobs</a:t>
-              </a:r>
-            </a:p>
-          </p:txBody>
-        </p:sp>
-        <p:pic>
-          <p:nvPicPr>
-            <p:cNvPr id="18" name="Picture 17" descr="A stop sign&#10;&#10;Description generated with high confidence">
-              <a:extLst>
-                <a:ext uri="{FF2B5EF4-FFF2-40B4-BE49-F238E27FC236}">
-                  <a16:creationId xmlns:a16="http://schemas.microsoft.com/office/drawing/2014/main" id="{357B4DC0-C9AA-48E6-BF93-6D65455D1802}"/>
-                </a:ext>
-              </a:extLst>
-            </p:cNvPr>
-            <p:cNvPicPr>
-              <a:picLocks noChangeAspect="1"/>
-            </p:cNvPicPr>
-            <p:nvPr/>
-          </p:nvPicPr>
-          <p:blipFill>
-            <a:blip r:embed="rId3">
-              <a:extLst>
-                <a:ext uri="{28A0092B-C50C-407E-A947-70E740481C1C}">
-                  <a14:useLocalDpi xmlns:a14="http://schemas.microsoft.com/office/drawing/2010/main" val="0"/>
-                </a:ext>
-              </a:extLst>
-            </a:blip>
-            <a:stretch>
-              <a:fillRect/>
-            </a:stretch>
-          </p:blipFill>
-          <p:spPr>
-            <a:xfrm>
-              <a:off x="4104453" y="3325697"/>
-              <a:ext cx="780290" cy="780290"/>
-            </a:xfrm>
-            <a:prstGeom prst="rect">
-              <a:avLst/>
-            </a:prstGeom>
-          </p:spPr>
-        </p:pic>
-      </p:grpSp>
-      <p:grpSp>
-        <p:nvGrpSpPr>
-          <p:cNvPr id="19" name="Group 18">
-            <a:extLst>
-              <a:ext uri="{FF2B5EF4-FFF2-40B4-BE49-F238E27FC236}">
-                <a16:creationId xmlns:a16="http://schemas.microsoft.com/office/drawing/2014/main" id="{2686A21B-2458-4CF7-90DB-9156A364F448}"/>
-              </a:ext>
-            </a:extLst>
-          </p:cNvPr>
-          <p:cNvGrpSpPr/>
-          <p:nvPr/>
-        </p:nvGrpSpPr>
-        <p:grpSpPr>
-          <a:xfrm>
-            <a:off x="2881144" y="5527901"/>
-            <a:ext cx="860592" cy="1034206"/>
-            <a:chOff x="2293969" y="5512832"/>
-            <a:chExt cx="860592" cy="1034206"/>
-          </a:xfrm>
-        </p:grpSpPr>
-        <p:pic>
-          <p:nvPicPr>
-            <p:cNvPr id="20" name="Picture 19">
-              <a:extLst>
-                <a:ext uri="{FF2B5EF4-FFF2-40B4-BE49-F238E27FC236}">
-                  <a16:creationId xmlns:a16="http://schemas.microsoft.com/office/drawing/2014/main" id="{7794AFEA-D67D-4AD8-AFD3-6BA753F0AD63}"/>
-                </a:ext>
-              </a:extLst>
-            </p:cNvPr>
-            <p:cNvPicPr>
-              <a:picLocks noChangeAspect="1"/>
-            </p:cNvPicPr>
-            <p:nvPr/>
-          </p:nvPicPr>
-          <p:blipFill>
-            <a:blip r:embed="rId4">
-              <a:extLst>
-                <a:ext uri="{28A0092B-C50C-407E-A947-70E740481C1C}">
-                  <a14:useLocalDpi xmlns:a14="http://schemas.microsoft.com/office/drawing/2010/main" val="0"/>
-                </a:ext>
-              </a:extLst>
-            </a:blip>
-            <a:stretch>
-              <a:fillRect/>
-            </a:stretch>
-          </p:blipFill>
-          <p:spPr>
-            <a:xfrm>
-              <a:off x="2325896" y="5512832"/>
-              <a:ext cx="780290" cy="780290"/>
-            </a:xfrm>
-            <a:prstGeom prst="rect">
-              <a:avLst/>
-            </a:prstGeom>
-          </p:spPr>
-        </p:pic>
-        <p:sp>
-          <p:nvSpPr>
-            <p:cNvPr id="21" name="Rectangle 20">
-              <a:extLst>
-                <a:ext uri="{FF2B5EF4-FFF2-40B4-BE49-F238E27FC236}">
-                  <a16:creationId xmlns:a16="http://schemas.microsoft.com/office/drawing/2014/main" id="{A7D53CA1-4EDA-4D65-AECD-500CBDA30607}"/>
-                </a:ext>
-              </a:extLst>
-            </p:cNvPr>
-            <p:cNvSpPr/>
-            <p:nvPr/>
-          </p:nvSpPr>
-          <p:spPr>
-            <a:xfrm>
-              <a:off x="2293969" y="6293122"/>
-              <a:ext cx="860592" cy="253916"/>
-            </a:xfrm>
-            <a:prstGeom prst="rect">
-              <a:avLst/>
-            </a:prstGeom>
-          </p:spPr>
-          <p:txBody>
-            <a:bodyPr wrap="square">
-              <a:spAutoFit/>
-            </a:bodyPr>
-            <a:lstStyle/>
-            <a:p>
-              <a:pPr marL="0" marR="0" lvl="0" indent="0" algn="ctr" defTabSz="914400" rtl="0" eaLnBrk="1" fontAlgn="auto" latinLnBrk="0" hangingPunct="1">
-                <a:lnSpc>
-                  <a:spcPct val="100000"/>
-                </a:lnSpc>
-                <a:spcBef>
-                  <a:spcPts val="0"/>
-                </a:spcBef>
-                <a:spcAft>
-                  <a:spcPts val="0"/>
-                </a:spcAft>
-                <a:buClrTx/>
-                <a:buSzTx/>
-                <a:buFontTx/>
-                <a:buNone/>
-                <a:tabLst/>
-                <a:defRPr/>
-              </a:pPr>
-              <a:r>
-                <a:rPr kumimoji="0" lang="en-US" sz="1050" b="0" i="0" u="none" strike="noStrike" kern="0" cap="none" spc="0" normalizeH="0" baseline="0" noProof="0" dirty="0">
-                  <a:ln>
-                    <a:noFill/>
-                  </a:ln>
-                  <a:solidFill>
-                    <a:srgbClr val="505050"/>
-                  </a:solidFill>
-                  <a:effectLst/>
-                  <a:uLnTx/>
-                  <a:uFillTx/>
-                  <a:latin typeface="Segoe UI Semibold" panose="020B0702040204020203" pitchFamily="34" charset="0"/>
-                  <a:ea typeface="+mn-ea"/>
-                  <a:cs typeface="Segoe UI Semibold" panose="020B0702040204020203" pitchFamily="34" charset="0"/>
-                </a:rPr>
-                <a:t>AKV</a:t>
-              </a:r>
-            </a:p>
-          </p:txBody>
-        </p:sp>
-      </p:grpSp>
-      <p:grpSp>
-        <p:nvGrpSpPr>
-          <p:cNvPr id="25" name="Group 24">
-            <a:extLst>
-              <a:ext uri="{FF2B5EF4-FFF2-40B4-BE49-F238E27FC236}">
-                <a16:creationId xmlns:a16="http://schemas.microsoft.com/office/drawing/2014/main" id="{16AB1A9D-3CD3-41C9-B5E0-4609AEC7E04A}"/>
-              </a:ext>
-            </a:extLst>
-          </p:cNvPr>
-          <p:cNvGrpSpPr/>
-          <p:nvPr/>
-        </p:nvGrpSpPr>
-        <p:grpSpPr>
-          <a:xfrm>
-            <a:off x="6369801" y="2025333"/>
-            <a:ext cx="1381617" cy="1249963"/>
-            <a:chOff x="5557683" y="3115204"/>
-            <a:chExt cx="1381617" cy="1249963"/>
-          </a:xfrm>
-        </p:grpSpPr>
-        <p:sp>
-          <p:nvSpPr>
-            <p:cNvPr id="26" name="Rectangle 25">
-              <a:extLst>
-                <a:ext uri="{FF2B5EF4-FFF2-40B4-BE49-F238E27FC236}">
-                  <a16:creationId xmlns:a16="http://schemas.microsoft.com/office/drawing/2014/main" id="{7EB5751C-EF73-42F9-B233-CF7A1FFE400A}"/>
-                </a:ext>
-              </a:extLst>
-            </p:cNvPr>
-            <p:cNvSpPr/>
-            <p:nvPr/>
-          </p:nvSpPr>
-          <p:spPr>
-            <a:xfrm>
-              <a:off x="5557683" y="4111251"/>
-              <a:ext cx="1381617" cy="253916"/>
-            </a:xfrm>
-            <a:prstGeom prst="rect">
-              <a:avLst/>
-            </a:prstGeom>
-          </p:spPr>
-          <p:txBody>
-            <a:bodyPr wrap="square">
-              <a:spAutoFit/>
-            </a:bodyPr>
-            <a:lstStyle/>
-            <a:p>
-              <a:pPr marL="0" marR="0" lvl="0" indent="0" algn="ctr" defTabSz="914192" rtl="0" eaLnBrk="1" fontAlgn="auto" latinLnBrk="0" hangingPunct="1">
-                <a:lnSpc>
-                  <a:spcPct val="100000"/>
-                </a:lnSpc>
-                <a:spcBef>
-                  <a:spcPts val="0"/>
-                </a:spcBef>
-                <a:spcAft>
-                  <a:spcPts val="0"/>
-                </a:spcAft>
-                <a:buClrTx/>
-                <a:buSzTx/>
-                <a:buFontTx/>
-                <a:buNone/>
-                <a:tabLst/>
-                <a:defRPr/>
-              </a:pPr>
-              <a:r>
-                <a:rPr lang="en-US" sz="1050" kern="0" dirty="0">
-                  <a:solidFill>
-                    <a:srgbClr val="505050"/>
-                  </a:solidFill>
-                  <a:latin typeface="Segoe UI Semibold" panose="020B0702040204020203" pitchFamily="34" charset="0"/>
-                  <a:ea typeface="MS PGothic" panose="020B0600070205080204" pitchFamily="34" charset="-128"/>
-                  <a:cs typeface="Segoe UI Semibold" panose="020B0702040204020203" pitchFamily="34" charset="0"/>
-                </a:rPr>
-                <a:t>Databricks</a:t>
-              </a:r>
-            </a:p>
-          </p:txBody>
-        </p:sp>
-        <p:pic>
-          <p:nvPicPr>
-            <p:cNvPr id="27" name="Picture 4" descr="Image result for databricks">
-              <a:extLst>
-                <a:ext uri="{FF2B5EF4-FFF2-40B4-BE49-F238E27FC236}">
-                  <a16:creationId xmlns:a16="http://schemas.microsoft.com/office/drawing/2014/main" id="{09D382D4-8A78-40B4-B27F-DA884C718462}"/>
-                </a:ext>
-              </a:extLst>
-            </p:cNvPr>
-            <p:cNvPicPr>
-              <a:picLocks noChangeAspect="1" noChangeArrowheads="1"/>
-            </p:cNvPicPr>
-            <p:nvPr/>
-          </p:nvPicPr>
-          <p:blipFill>
-            <a:blip r:embed="rId5">
-              <a:clrChange>
-                <a:clrFrom>
-                  <a:srgbClr val="FFFFFF"/>
-                </a:clrFrom>
-                <a:clrTo>
-                  <a:srgbClr val="FFFFFF">
-                    <a:alpha val="0"/>
-                  </a:srgbClr>
-                </a:clrTo>
-              </a:clrChange>
-              <a:extLst>
-                <a:ext uri="{28A0092B-C50C-407E-A947-70E740481C1C}">
-                  <a14:useLocalDpi xmlns:a14="http://schemas.microsoft.com/office/drawing/2010/main" val="0"/>
-                </a:ext>
-              </a:extLst>
-            </a:blip>
-            <a:srcRect/>
-            <a:stretch>
-              <a:fillRect/>
-            </a:stretch>
-          </p:blipFill>
-          <p:spPr bwMode="auto">
-            <a:xfrm>
-              <a:off x="5657057" y="3115204"/>
-              <a:ext cx="1182868" cy="1182868"/>
-            </a:xfrm>
-            <a:prstGeom prst="rect">
-              <a:avLst/>
-            </a:prstGeom>
-            <a:noFill/>
-            <a:extLst>
-              <a:ext uri="{909E8E84-426E-40DD-AFC4-6F175D3DCCD1}">
-                <a14:hiddenFill xmlns:a14="http://schemas.microsoft.com/office/drawing/2010/main">
-                  <a:solidFill>
-                    <a:srgbClr val="FFFFFF"/>
-                  </a:solidFill>
-                </a14:hiddenFill>
-              </a:ext>
-            </a:extLst>
-          </p:spPr>
-        </p:pic>
-      </p:grpSp>
-      <p:grpSp>
-        <p:nvGrpSpPr>
-          <p:cNvPr id="28" name="Group 27">
-            <a:extLst>
-              <a:ext uri="{FF2B5EF4-FFF2-40B4-BE49-F238E27FC236}">
-                <a16:creationId xmlns:a16="http://schemas.microsoft.com/office/drawing/2014/main" id="{C2BC92A2-8F6C-40DF-80EE-ED3876272D70}"/>
-              </a:ext>
-            </a:extLst>
-          </p:cNvPr>
-          <p:cNvGrpSpPr/>
-          <p:nvPr/>
-        </p:nvGrpSpPr>
-        <p:grpSpPr>
-          <a:xfrm>
-            <a:off x="6108553" y="3920329"/>
-            <a:ext cx="1917467" cy="1052261"/>
-            <a:chOff x="5399147" y="4515474"/>
-            <a:chExt cx="1917467" cy="1052261"/>
-          </a:xfrm>
-        </p:grpSpPr>
-        <p:sp>
-          <p:nvSpPr>
-            <p:cNvPr id="29" name="Rectangle 28">
-              <a:extLst>
-                <a:ext uri="{FF2B5EF4-FFF2-40B4-BE49-F238E27FC236}">
-                  <a16:creationId xmlns:a16="http://schemas.microsoft.com/office/drawing/2014/main" id="{4F0E954B-B052-4463-8A47-6C9414BC501E}"/>
-                </a:ext>
-              </a:extLst>
-            </p:cNvPr>
-            <p:cNvSpPr/>
-            <p:nvPr/>
-          </p:nvSpPr>
-          <p:spPr>
-            <a:xfrm>
-              <a:off x="5399147" y="5313819"/>
-              <a:ext cx="1917467" cy="253916"/>
-            </a:xfrm>
-            <a:prstGeom prst="rect">
-              <a:avLst/>
-            </a:prstGeom>
-          </p:spPr>
-          <p:txBody>
-            <a:bodyPr wrap="square">
-              <a:spAutoFit/>
-            </a:bodyPr>
-            <a:lstStyle/>
-            <a:p>
-              <a:pPr marL="0" marR="0" lvl="0" indent="0" algn="ctr" defTabSz="914192" rtl="0" eaLnBrk="1" fontAlgn="auto" latinLnBrk="0" hangingPunct="1">
-                <a:lnSpc>
-                  <a:spcPct val="100000"/>
-                </a:lnSpc>
-                <a:spcBef>
-                  <a:spcPts val="0"/>
-                </a:spcBef>
-                <a:spcAft>
-                  <a:spcPts val="0"/>
-                </a:spcAft>
-                <a:buClrTx/>
-                <a:buSzTx/>
-                <a:buFontTx/>
-                <a:buNone/>
-                <a:tabLst/>
-                <a:defRPr/>
-              </a:pPr>
-              <a:r>
-                <a:rPr kumimoji="0" lang="en-US" sz="1050" b="0" i="0" u="none" strike="noStrike" kern="0" cap="none" spc="0" normalizeH="0" baseline="0" noProof="0" dirty="0">
-                  <a:ln>
-                    <a:noFill/>
-                  </a:ln>
-                  <a:solidFill>
-                    <a:srgbClr val="505050"/>
-                  </a:solidFill>
-                  <a:effectLst/>
-                  <a:uLnTx/>
-                  <a:uFillTx/>
-                  <a:latin typeface="Segoe UI Semibold" panose="020B0702040204020203" pitchFamily="34" charset="0"/>
-                  <a:ea typeface="MS PGothic" panose="020B0600070205080204" pitchFamily="34" charset="-128"/>
-                  <a:cs typeface="Segoe UI Semibold" panose="020B0702040204020203" pitchFamily="34" charset="0"/>
-                </a:rPr>
-                <a:t>Machine Learning </a:t>
-              </a:r>
-              <a:r>
-                <a:rPr lang="en-US" sz="1050" kern="0" dirty="0">
-                  <a:solidFill>
-                    <a:srgbClr val="505050"/>
-                  </a:solidFill>
-                  <a:latin typeface="Segoe UI Semibold" panose="020B0702040204020203" pitchFamily="34" charset="0"/>
-                  <a:ea typeface="MS PGothic" panose="020B0600070205080204" pitchFamily="34" charset="-128"/>
-                  <a:cs typeface="Segoe UI Semibold" panose="020B0702040204020203" pitchFamily="34" charset="0"/>
-                </a:rPr>
-                <a:t>Studio</a:t>
-              </a:r>
-              <a:endParaRPr kumimoji="0" lang="en-US" sz="1050" b="0" i="0" u="none" strike="noStrike" kern="0" cap="none" spc="0" normalizeH="0" baseline="0" noProof="0" dirty="0">
-                <a:ln>
-                  <a:noFill/>
-                </a:ln>
-                <a:solidFill>
-                  <a:srgbClr val="505050"/>
-                </a:solidFill>
-                <a:effectLst/>
-                <a:uLnTx/>
-                <a:uFillTx/>
-                <a:latin typeface="Segoe UI Semibold" panose="020B0702040204020203" pitchFamily="34" charset="0"/>
-                <a:ea typeface="MS PGothic" panose="020B0600070205080204" pitchFamily="34" charset="-128"/>
-                <a:cs typeface="Segoe UI Semibold" panose="020B0702040204020203" pitchFamily="34" charset="0"/>
-              </a:endParaRPr>
-            </a:p>
-          </p:txBody>
-        </p:sp>
-        <p:pic>
-          <p:nvPicPr>
-            <p:cNvPr id="30" name="Picture 29">
-              <a:extLst>
-                <a:ext uri="{FF2B5EF4-FFF2-40B4-BE49-F238E27FC236}">
-                  <a16:creationId xmlns:a16="http://schemas.microsoft.com/office/drawing/2014/main" id="{6F6EEE75-6D92-42D2-827D-52B5F63FFA7E}"/>
-                </a:ext>
-              </a:extLst>
-            </p:cNvPr>
-            <p:cNvPicPr>
-              <a:picLocks noChangeAspect="1"/>
-            </p:cNvPicPr>
-            <p:nvPr/>
-          </p:nvPicPr>
-          <p:blipFill>
-            <a:blip r:embed="rId6">
-              <a:extLst>
-                <a:ext uri="{28A0092B-C50C-407E-A947-70E740481C1C}">
-                  <a14:useLocalDpi xmlns:a14="http://schemas.microsoft.com/office/drawing/2010/main" val="0"/>
-                </a:ext>
-              </a:extLst>
-            </a:blip>
-            <a:stretch>
-              <a:fillRect/>
-            </a:stretch>
-          </p:blipFill>
-          <p:spPr>
-            <a:xfrm>
-              <a:off x="5967735" y="4515474"/>
-              <a:ext cx="780290" cy="780290"/>
-            </a:xfrm>
-            <a:prstGeom prst="rect">
-              <a:avLst/>
-            </a:prstGeom>
-          </p:spPr>
-        </p:pic>
-      </p:grpSp>
-      <p:pic>
-        <p:nvPicPr>
-          <p:cNvPr id="31" name="Picture 30" descr="A close up of a sign&#10;&#10;Description generated with high confidence">
-            <a:extLst>
-              <a:ext uri="{FF2B5EF4-FFF2-40B4-BE49-F238E27FC236}">
-                <a16:creationId xmlns:a16="http://schemas.microsoft.com/office/drawing/2014/main" id="{744AF51C-4A93-44DB-A84C-CF0174DD34E8}"/>
-              </a:ext>
-            </a:extLst>
-          </p:cNvPr>
-          <p:cNvPicPr>
-            <a:picLocks noChangeAspect="1"/>
-          </p:cNvPicPr>
-          <p:nvPr/>
-        </p:nvPicPr>
-        <p:blipFill>
-          <a:blip r:embed="rId7">
-            <a:extLst>
-              <a:ext uri="{28A0092B-C50C-407E-A947-70E740481C1C}">
-                <a14:useLocalDpi xmlns:a14="http://schemas.microsoft.com/office/drawing/2010/main" val="0"/>
-              </a:ext>
-            </a:extLst>
-          </a:blip>
-          <a:stretch>
-            <a:fillRect/>
-          </a:stretch>
-        </p:blipFill>
-        <p:spPr>
-          <a:xfrm>
-            <a:off x="8711812" y="2183385"/>
-            <a:ext cx="780290" cy="780290"/>
-          </a:xfrm>
-          <a:prstGeom prst="rect">
-            <a:avLst/>
-          </a:prstGeom>
-        </p:spPr>
-      </p:pic>
-      <p:grpSp>
-        <p:nvGrpSpPr>
-          <p:cNvPr id="32" name="Group 31">
-            <a:extLst>
-              <a:ext uri="{FF2B5EF4-FFF2-40B4-BE49-F238E27FC236}">
-                <a16:creationId xmlns:a16="http://schemas.microsoft.com/office/drawing/2014/main" id="{02BC60DF-62EB-4AAC-A1AC-D69E52688F6F}"/>
-              </a:ext>
-            </a:extLst>
-          </p:cNvPr>
-          <p:cNvGrpSpPr/>
-          <p:nvPr/>
-        </p:nvGrpSpPr>
-        <p:grpSpPr>
-          <a:xfrm>
-            <a:off x="2728462" y="2149145"/>
-            <a:ext cx="1165956" cy="1034206"/>
-            <a:chOff x="1937217" y="3317591"/>
-            <a:chExt cx="1165956" cy="1034206"/>
-          </a:xfrm>
-        </p:grpSpPr>
-        <p:sp>
-          <p:nvSpPr>
-            <p:cNvPr id="33" name="Rectangle 32">
-              <a:extLst>
-                <a:ext uri="{FF2B5EF4-FFF2-40B4-BE49-F238E27FC236}">
-                  <a16:creationId xmlns:a16="http://schemas.microsoft.com/office/drawing/2014/main" id="{BEA39829-D273-43D4-8D1A-5BE5BF82E67D}"/>
-                </a:ext>
-              </a:extLst>
-            </p:cNvPr>
-            <p:cNvSpPr/>
-            <p:nvPr/>
-          </p:nvSpPr>
-          <p:spPr>
-            <a:xfrm>
-              <a:off x="1937217" y="4097881"/>
-              <a:ext cx="1165956" cy="253916"/>
-            </a:xfrm>
-            <a:prstGeom prst="rect">
-              <a:avLst/>
-            </a:prstGeom>
-          </p:spPr>
-          <p:txBody>
-            <a:bodyPr wrap="square">
-              <a:spAutoFit/>
-            </a:bodyPr>
-            <a:lstStyle/>
-            <a:p>
-              <a:pPr marL="0" marR="0" lvl="0" indent="0" algn="ctr" defTabSz="914192" rtl="0" eaLnBrk="1" fontAlgn="auto" latinLnBrk="0" hangingPunct="1">
-                <a:lnSpc>
-                  <a:spcPct val="100000"/>
-                </a:lnSpc>
-                <a:spcBef>
-                  <a:spcPts val="0"/>
-                </a:spcBef>
-                <a:spcAft>
-                  <a:spcPts val="0"/>
-                </a:spcAft>
-                <a:buClrTx/>
-                <a:buSzTx/>
-                <a:buFontTx/>
-                <a:buNone/>
-                <a:tabLst/>
-                <a:defRPr/>
-              </a:pPr>
-              <a:r>
-                <a:rPr kumimoji="0" lang="en-US" sz="1050" b="0" i="0" u="none" strike="noStrike" kern="0" cap="none" spc="0" normalizeH="0" baseline="0" noProof="0" dirty="0">
-                  <a:ln>
-                    <a:noFill/>
-                  </a:ln>
-                  <a:solidFill>
-                    <a:srgbClr val="505050"/>
-                  </a:solidFill>
-                  <a:effectLst/>
-                  <a:uLnTx/>
-                  <a:uFillTx/>
-                  <a:latin typeface="Segoe UI Semibold" panose="020B0702040204020203" pitchFamily="34" charset="0"/>
-                  <a:ea typeface="MS PGothic" panose="020B0600070205080204" pitchFamily="34" charset="-128"/>
-                  <a:cs typeface="Segoe UI Semibold" panose="020B0702040204020203" pitchFamily="34" charset="0"/>
-                </a:rPr>
-                <a:t>Data Factory</a:t>
-              </a:r>
-            </a:p>
-          </p:txBody>
-        </p:sp>
-        <p:pic>
-          <p:nvPicPr>
-            <p:cNvPr id="34" name="Picture 33">
-              <a:extLst>
-                <a:ext uri="{FF2B5EF4-FFF2-40B4-BE49-F238E27FC236}">
-                  <a16:creationId xmlns:a16="http://schemas.microsoft.com/office/drawing/2014/main" id="{970F6289-CA46-478C-9F13-6D0A05E3B30C}"/>
-                </a:ext>
-              </a:extLst>
-            </p:cNvPr>
-            <p:cNvPicPr>
-              <a:picLocks noChangeAspect="1"/>
-            </p:cNvPicPr>
-            <p:nvPr/>
-          </p:nvPicPr>
-          <p:blipFill>
-            <a:blip r:embed="rId8">
-              <a:extLst>
-                <a:ext uri="{28A0092B-C50C-407E-A947-70E740481C1C}">
-                  <a14:useLocalDpi xmlns:a14="http://schemas.microsoft.com/office/drawing/2010/main" val="0"/>
-                </a:ext>
-              </a:extLst>
-            </a:blip>
-            <a:stretch>
-              <a:fillRect/>
-            </a:stretch>
-          </p:blipFill>
-          <p:spPr>
-            <a:xfrm>
-              <a:off x="2130050" y="3317591"/>
-              <a:ext cx="780290" cy="780290"/>
-            </a:xfrm>
-            <a:prstGeom prst="rect">
-              <a:avLst/>
-            </a:prstGeom>
-          </p:spPr>
-        </p:pic>
-      </p:grpSp>
-      <p:sp>
-        <p:nvSpPr>
-          <p:cNvPr id="36" name="Rectangle 35">
-            <a:extLst>
-              <a:ext uri="{FF2B5EF4-FFF2-40B4-BE49-F238E27FC236}">
-                <a16:creationId xmlns:a16="http://schemas.microsoft.com/office/drawing/2014/main" id="{960DD5A8-C3C8-4307-A9FA-0564C12EC886}"/>
-              </a:ext>
-            </a:extLst>
-          </p:cNvPr>
-          <p:cNvSpPr/>
-          <p:nvPr/>
-        </p:nvSpPr>
-        <p:spPr bwMode="auto">
-          <a:xfrm>
-            <a:off x="2008282" y="5413528"/>
-            <a:ext cx="8175437" cy="1262952"/>
-          </a:xfrm>
-          <a:prstGeom prst="rect">
-            <a:avLst/>
-          </a:prstGeom>
-          <a:noFill/>
-          <a:ln w="12700">
-            <a:solidFill>
-              <a:schemeClr val="tx2"/>
-            </a:solidFill>
-            <a:headEnd type="none" w="med" len="med"/>
-            <a:tailEnd type="none" w="med" len="med"/>
-          </a:ln>
-          <a:effectLst/>
-        </p:spPr>
-        <p:style>
-          <a:lnRef idx="1">
-            <a:schemeClr val="accent2"/>
-          </a:lnRef>
-          <a:fillRef idx="3">
-            <a:schemeClr val="accent2"/>
-          </a:fillRef>
-          <a:effectRef idx="2">
-            <a:schemeClr val="accent2"/>
-          </a:effectRef>
-          <a:fontRef idx="minor">
-            <a:schemeClr val="lt1"/>
-          </a:fontRef>
-        </p:style>
-        <p:txBody>
-          <a:bodyPr rot="0" spcFirstLastPara="0" vertOverflow="overflow" horzOverflow="overflow" vert="horz" wrap="square" lIns="182880" tIns="146304" rIns="182880" bIns="146304" numCol="1" spcCol="0" rtlCol="0" fromWordArt="0" anchor="t" anchorCtr="0" forceAA="0" compatLnSpc="1">
-            <a:prstTxWarp prst="textNoShape">
-              <a:avLst/>
-            </a:prstTxWarp>
-            <a:noAutofit/>
-          </a:bodyPr>
-          <a:lstStyle/>
-          <a:p>
-            <a:pPr marL="0" marR="0" lvl="0" indent="0" algn="ctr" defTabSz="932472" rtl="0" eaLnBrk="1" fontAlgn="base" latinLnBrk="0" hangingPunct="1">
-              <a:lnSpc>
-                <a:spcPct val="90000"/>
-              </a:lnSpc>
-              <a:spcBef>
-                <a:spcPct val="0"/>
-              </a:spcBef>
-              <a:spcAft>
-                <a:spcPct val="0"/>
-              </a:spcAft>
-              <a:buClrTx/>
-              <a:buSzTx/>
-              <a:buFontTx/>
-              <a:buNone/>
-              <a:tabLst/>
-              <a:defRPr/>
-            </a:pPr>
-            <a:endParaRPr kumimoji="0" lang="en-US" sz="2400" b="0" i="0" u="none" strike="noStrike" kern="1200" cap="none" spc="0" normalizeH="0" baseline="0" noProof="0" dirty="0">
-              <a:ln>
-                <a:noFill/>
-              </a:ln>
-              <a:gradFill>
-                <a:gsLst>
-                  <a:gs pos="0">
-                    <a:srgbClr val="FFFFFF"/>
-                  </a:gs>
-                  <a:gs pos="100000">
-                    <a:srgbClr val="FFFFFF"/>
-                  </a:gs>
-                </a:gsLst>
-                <a:lin ang="5400000" scaled="0"/>
-              </a:gradFill>
-              <a:effectLst/>
-              <a:uLnTx/>
-              <a:uFillTx/>
-              <a:latin typeface="Segoe UI"/>
-              <a:ea typeface="Segoe UI" pitchFamily="34" charset="0"/>
-              <a:cs typeface="Segoe UI" pitchFamily="34" charset="0"/>
-            </a:endParaRPr>
-          </a:p>
-        </p:txBody>
-      </p:sp>
-      <p:sp>
-        <p:nvSpPr>
-          <p:cNvPr id="37" name="Rectangle 36">
-            <a:extLst>
-              <a:ext uri="{FF2B5EF4-FFF2-40B4-BE49-F238E27FC236}">
-                <a16:creationId xmlns:a16="http://schemas.microsoft.com/office/drawing/2014/main" id="{E7D4962F-3EDF-4F13-88B6-FF1095E9E8AF}"/>
-              </a:ext>
-            </a:extLst>
-          </p:cNvPr>
-          <p:cNvSpPr/>
-          <p:nvPr/>
-        </p:nvSpPr>
-        <p:spPr bwMode="auto">
-          <a:xfrm>
-            <a:off x="10335242" y="1514811"/>
-            <a:ext cx="1432897" cy="307777"/>
-          </a:xfrm>
-          <a:prstGeom prst="rect">
-            <a:avLst/>
-          </a:prstGeom>
-          <a:noFill/>
-          <a:ln w="3175">
-            <a:noFill/>
-          </a:ln>
-        </p:spPr>
-        <p:style>
-          <a:lnRef idx="0">
-            <a:scrgbClr r="0" g="0" b="0"/>
-          </a:lnRef>
-          <a:fillRef idx="0">
-            <a:scrgbClr r="0" g="0" b="0"/>
-          </a:fillRef>
-          <a:effectRef idx="0">
-            <a:scrgbClr r="0" g="0" b="0"/>
-          </a:effectRef>
-          <a:fontRef idx="minor">
-            <a:schemeClr val="lt1"/>
-          </a:fontRef>
-        </p:style>
-        <p:txBody>
-          <a:bodyPr spcFirstLastPara="0" vert="horz" wrap="square" lIns="91440" tIns="45720" rIns="91440" bIns="45720" numCol="1" spcCol="1270" anchor="t" anchorCtr="0">
-            <a:spAutoFit/>
-          </a:bodyPr>
-          <a:lstStyle/>
-          <a:p>
-            <a:pPr marL="0" marR="0" lvl="0" indent="0" algn="ctr" defTabSz="710593" rtl="0" eaLnBrk="1" fontAlgn="auto" latinLnBrk="0" hangingPunct="1">
-              <a:lnSpc>
-                <a:spcPct val="100000"/>
-              </a:lnSpc>
-              <a:spcBef>
-                <a:spcPct val="0"/>
-              </a:spcBef>
-              <a:spcAft>
-                <a:spcPct val="35000"/>
-              </a:spcAft>
-              <a:buClrTx/>
-              <a:buSzTx/>
-              <a:buFontTx/>
-              <a:buNone/>
-              <a:tabLst/>
-              <a:defRPr/>
-            </a:pPr>
-            <a:r>
-              <a:rPr kumimoji="0" lang="en-US" sz="1400" b="0" i="0" u="none" strike="noStrike" kern="0" cap="none" spc="0" normalizeH="0" baseline="0" noProof="0" dirty="0">
-                <a:ln>
-                  <a:noFill/>
-                </a:ln>
-                <a:solidFill>
-                  <a:srgbClr val="0078D7"/>
-                </a:solidFill>
-                <a:effectLst/>
-                <a:uLnTx/>
-                <a:uFillTx/>
-                <a:latin typeface="Segoe UI Semibold" panose="020B0702040204020203" pitchFamily="34" charset="0"/>
-                <a:ea typeface="+mn-ea"/>
-                <a:cs typeface="Segoe UI Semibold" panose="020B0702040204020203" pitchFamily="34" charset="0"/>
-              </a:rPr>
-              <a:t>Intelligence</a:t>
-            </a:r>
-          </a:p>
-        </p:txBody>
-      </p:sp>
-      <p:cxnSp>
-        <p:nvCxnSpPr>
-          <p:cNvPr id="42" name="Straight Arrow Connector 41">
-            <a:extLst>
-              <a:ext uri="{FF2B5EF4-FFF2-40B4-BE49-F238E27FC236}">
-                <a16:creationId xmlns:a16="http://schemas.microsoft.com/office/drawing/2014/main" id="{99709FAF-175E-4097-80FB-69B5918E1657}"/>
-              </a:ext>
-            </a:extLst>
-          </p:cNvPr>
-          <p:cNvCxnSpPr>
-            <a:cxnSpLocks/>
-            <a:endCxn id="30" idx="1"/>
-          </p:cNvCxnSpPr>
-          <p:nvPr/>
-        </p:nvCxnSpPr>
-        <p:spPr>
-          <a:xfrm>
-            <a:off x="5416826" y="3140765"/>
-            <a:ext cx="1260315" cy="1169709"/>
-          </a:xfrm>
-          <a:prstGeom prst="straightConnector1">
-            <a:avLst/>
-          </a:prstGeom>
-          <a:ln>
-            <a:headEnd type="none" w="med" len="med"/>
-            <a:tailEnd type="arrow" w="med" len="med"/>
-          </a:ln>
-        </p:spPr>
-        <p:style>
-          <a:lnRef idx="3">
-            <a:schemeClr val="accent1"/>
-          </a:lnRef>
-          <a:fillRef idx="0">
-            <a:schemeClr val="accent1"/>
-          </a:fillRef>
-          <a:effectRef idx="2">
-            <a:schemeClr val="accent1"/>
-          </a:effectRef>
-          <a:fontRef idx="minor">
-            <a:schemeClr val="tx1"/>
-          </a:fontRef>
-        </p:style>
-      </p:cxnSp>
-    </p:spTree>
-    <p:extLst>
-      <p:ext uri="{BB962C8B-B14F-4D97-AF65-F5344CB8AC3E}">
-        <p14:creationId xmlns:p14="http://schemas.microsoft.com/office/powerpoint/2010/main" val="2283742483"/>
       </p:ext>
     </p:extLst>
   </p:cSld>
